--- a/2025_Б_ПЗПІ-21-1_Пахаренко_С_О.pptx
+++ b/2025_Б_ПЗПІ-21-1_Пахаренко_С_О.pptx
@@ -5,37 +5,38 @@
     <p:sldMasterId id="2147483659" r:id="rId1"/>
   </p:sldMasterIdLst>
   <p:notesMasterIdLst>
-    <p:notesMasterId r:id="rId13"/>
+    <p:notesMasterId r:id="rId14"/>
   </p:notesMasterIdLst>
   <p:sldIdLst>
     <p:sldId id="256" r:id="rId2"/>
-    <p:sldId id="257" r:id="rId3"/>
+    <p:sldId id="269" r:id="rId3"/>
     <p:sldId id="258" r:id="rId4"/>
     <p:sldId id="259" r:id="rId5"/>
     <p:sldId id="260" r:id="rId6"/>
     <p:sldId id="261" r:id="rId7"/>
-    <p:sldId id="262" r:id="rId8"/>
-    <p:sldId id="263" r:id="rId9"/>
-    <p:sldId id="264" r:id="rId10"/>
-    <p:sldId id="268" r:id="rId11"/>
-    <p:sldId id="267" r:id="rId12"/>
+    <p:sldId id="271" r:id="rId8"/>
+    <p:sldId id="270" r:id="rId9"/>
+    <p:sldId id="263" r:id="rId10"/>
+    <p:sldId id="264" r:id="rId11"/>
+    <p:sldId id="268" r:id="rId12"/>
+    <p:sldId id="267" r:id="rId13"/>
   </p:sldIdLst>
   <p:sldSz cx="9144000" cy="5143500" type="screen16x9"/>
   <p:notesSz cx="6858000" cy="9144000"/>
   <p:embeddedFontLst>
     <p:embeddedFont>
-      <p:font typeface="Open Sans" panose="020B0604020202020204" charset="0"/>
-      <p:regular r:id="rId14"/>
-      <p:bold r:id="rId15"/>
-      <p:italic r:id="rId16"/>
-      <p:boldItalic r:id="rId17"/>
+      <p:font typeface="Economica" panose="020B0604020202020204" charset="0"/>
+      <p:regular r:id="rId15"/>
+      <p:bold r:id="rId16"/>
+      <p:italic r:id="rId17"/>
+      <p:boldItalic r:id="rId18"/>
     </p:embeddedFont>
     <p:embeddedFont>
-      <p:font typeface="Economica" panose="020B0604020202020204" charset="0"/>
-      <p:regular r:id="rId18"/>
-      <p:bold r:id="rId19"/>
-      <p:italic r:id="rId20"/>
-      <p:boldItalic r:id="rId21"/>
+      <p:font typeface="Open Sans" panose="020B0606030504020204" pitchFamily="34" charset="0"/>
+      <p:regular r:id="rId19"/>
+      <p:bold r:id="rId20"/>
+      <p:italic r:id="rId21"/>
+      <p:boldItalic r:id="rId22"/>
     </p:embeddedFont>
   </p:embeddedFontLst>
   <p:defaultTextStyle>
@@ -841,6 +842,110 @@
   <p:cSld>
     <p:spTree>
       <p:nvGrpSpPr>
+        <p:cNvPr id="1" name="Shape 116"/>
+        <p:cNvGrpSpPr/>
+        <p:nvPr/>
+      </p:nvGrpSpPr>
+      <p:grpSpPr>
+        <a:xfrm>
+          <a:off x="0" y="0"/>
+          <a:ext cx="0" cy="0"/>
+          <a:chOff x="0" y="0"/>
+          <a:chExt cx="0" cy="0"/>
+        </a:xfrm>
+      </p:grpSpPr>
+      <p:sp>
+        <p:nvSpPr>
+          <p:cNvPr id="117" name="Google Shape;117;g2e16b2adad1_0_35:notes"/>
+          <p:cNvSpPr>
+            <a:spLocks noGrp="1" noRot="1" noChangeAspect="1"/>
+          </p:cNvSpPr>
+          <p:nvPr>
+            <p:ph type="sldImg" idx="2"/>
+          </p:nvPr>
+        </p:nvSpPr>
+        <p:spPr>
+          <a:xfrm>
+            <a:off x="381000" y="685800"/>
+            <a:ext cx="6096000" cy="3429000"/>
+          </a:xfrm>
+          <a:custGeom>
+            <a:avLst/>
+            <a:gdLst/>
+            <a:ahLst/>
+            <a:cxnLst/>
+            <a:rect l="l" t="t" r="r" b="b"/>
+            <a:pathLst>
+              <a:path w="120000" h="120000" extrusionOk="0">
+                <a:moveTo>
+                  <a:pt x="0" y="0"/>
+                </a:moveTo>
+                <a:lnTo>
+                  <a:pt x="120000" y="0"/>
+                </a:lnTo>
+                <a:lnTo>
+                  <a:pt x="120000" y="120000"/>
+                </a:lnTo>
+                <a:lnTo>
+                  <a:pt x="0" y="120000"/>
+                </a:lnTo>
+                <a:close/>
+              </a:path>
+            </a:pathLst>
+          </a:custGeom>
+        </p:spPr>
+      </p:sp>
+      <p:sp>
+        <p:nvSpPr>
+          <p:cNvPr id="118" name="Google Shape;118;g2e16b2adad1_0_35:notes"/>
+          <p:cNvSpPr txBox="1">
+            <a:spLocks noGrp="1"/>
+          </p:cNvSpPr>
+          <p:nvPr>
+            <p:ph type="body" idx="1"/>
+          </p:nvPr>
+        </p:nvSpPr>
+        <p:spPr>
+          <a:xfrm>
+            <a:off x="685800" y="4343400"/>
+            <a:ext cx="5486400" cy="4114800"/>
+          </a:xfrm>
+          <a:prstGeom prst="rect">
+            <a:avLst/>
+          </a:prstGeom>
+        </p:spPr>
+        <p:txBody>
+          <a:bodyPr spcFirstLastPara="1" wrap="square" lIns="91425" tIns="91425" rIns="91425" bIns="91425" anchor="t" anchorCtr="0">
+            <a:noAutofit/>
+          </a:bodyPr>
+          <a:lstStyle/>
+          <a:p>
+            <a:pPr marL="0" lvl="0" indent="0" algn="l" rtl="0">
+              <a:spcBef>
+                <a:spcPts val="0"/>
+              </a:spcBef>
+              <a:spcAft>
+                <a:spcPts val="0"/>
+              </a:spcAft>
+              <a:buNone/>
+            </a:pPr>
+            <a:endParaRPr/>
+          </a:p>
+        </p:txBody>
+      </p:sp>
+    </p:spTree>
+  </p:cSld>
+  <p:clrMapOvr>
+    <a:masterClrMapping/>
+  </p:clrMapOvr>
+</p:notes>
+</file>
+
+<file path=ppt/notesSlides/notesSlide11.xml><?xml version="1.0" encoding="utf-8"?>
+<p:notes xmlns:a="http://schemas.openxmlformats.org/drawingml/2006/main" xmlns:r="http://schemas.openxmlformats.org/officeDocument/2006/relationships" xmlns:p="http://schemas.openxmlformats.org/presentationml/2006/main" showMasterSp="0" showMasterPhAnim="0">
+  <p:cSld>
+    <p:spTree>
+      <p:nvGrpSpPr>
         <p:cNvPr id="1" name="Shape 123"/>
         <p:cNvGrpSpPr/>
         <p:nvPr/>
@@ -940,7 +1045,7 @@
 </p:notes>
 </file>
 
-<file path=ppt/notesSlides/notesSlide11.xml><?xml version="1.0" encoding="utf-8"?>
+<file path=ppt/notesSlides/notesSlide12.xml><?xml version="1.0" encoding="utf-8"?>
 <p:notes xmlns:a="http://schemas.openxmlformats.org/drawingml/2006/main" xmlns:r="http://schemas.openxmlformats.org/officeDocument/2006/relationships" xmlns:p="http://schemas.openxmlformats.org/presentationml/2006/main" showMasterSp="0" showMasterPhAnim="0">
   <p:cSld>
     <p:spTree>
@@ -1049,7 +1154,13 @@
   <p:cSld>
     <p:spTree>
       <p:nvGrpSpPr>
-        <p:cNvPr id="1" name="Shape 67"/>
+        <p:cNvPr id="1" name="Shape 67">
+          <a:extLst>
+            <a:ext uri="{FF2B5EF4-FFF2-40B4-BE49-F238E27FC236}">
+              <a16:creationId xmlns:a16="http://schemas.microsoft.com/office/drawing/2014/main" id="{58B22C89-2827-A634-4004-52AF0323E9A8}"/>
+            </a:ext>
+          </a:extLst>
+        </p:cNvPr>
         <p:cNvGrpSpPr/>
         <p:nvPr/>
       </p:nvGrpSpPr>
@@ -1063,7 +1174,13 @@
       </p:grpSpPr>
       <p:sp>
         <p:nvSpPr>
-          <p:cNvPr id="68" name="Google Shape;68;g20ddf966691_0_162:notes"/>
+          <p:cNvPr id="68" name="Google Shape;68;g20ddf966691_0_162:notes">
+            <a:extLst>
+              <a:ext uri="{FF2B5EF4-FFF2-40B4-BE49-F238E27FC236}">
+                <a16:creationId xmlns:a16="http://schemas.microsoft.com/office/drawing/2014/main" id="{40D5BD51-7A37-5478-2B41-697F97565911}"/>
+              </a:ext>
+            </a:extLst>
+          </p:cNvPr>
           <p:cNvSpPr>
             <a:spLocks noGrp="1" noRot="1" noChangeAspect="1"/>
           </p:cNvSpPr>
@@ -1104,7 +1221,13 @@
       </p:sp>
       <p:sp>
         <p:nvSpPr>
-          <p:cNvPr id="69" name="Google Shape;69;g20ddf966691_0_162:notes"/>
+          <p:cNvPr id="69" name="Google Shape;69;g20ddf966691_0_162:notes">
+            <a:extLst>
+              <a:ext uri="{FF2B5EF4-FFF2-40B4-BE49-F238E27FC236}">
+                <a16:creationId xmlns:a16="http://schemas.microsoft.com/office/drawing/2014/main" id="{437CCB91-96C3-6635-990F-D2737B279169}"/>
+              </a:ext>
+            </a:extLst>
+          </p:cNvPr>
           <p:cNvSpPr txBox="1">
             <a:spLocks noGrp="1"/>
           </p:cNvSpPr>
@@ -1141,6 +1264,11 @@
         </p:txBody>
       </p:sp>
     </p:spTree>
+    <p:extLst>
+      <p:ext uri="{BB962C8B-B14F-4D97-AF65-F5344CB8AC3E}">
+        <p14:creationId xmlns:p14="http://schemas.microsoft.com/office/powerpoint/2010/main" val="413070488"/>
+      </p:ext>
+    </p:extLst>
   </p:cSld>
   <p:clrMapOvr>
     <a:masterClrMapping/>
@@ -1569,7 +1697,13 @@
   <p:cSld>
     <p:spTree>
       <p:nvGrpSpPr>
-        <p:cNvPr id="1" name="Shape 102"/>
+        <p:cNvPr id="1" name="Shape 95">
+          <a:extLst>
+            <a:ext uri="{FF2B5EF4-FFF2-40B4-BE49-F238E27FC236}">
+              <a16:creationId xmlns:a16="http://schemas.microsoft.com/office/drawing/2014/main" id="{6EAE952A-D305-CADD-5788-81F0D0F2CFA9}"/>
+            </a:ext>
+          </a:extLst>
+        </p:cNvPr>
         <p:cNvGrpSpPr/>
         <p:nvPr/>
       </p:nvGrpSpPr>
@@ -1583,7 +1717,13 @@
       </p:grpSpPr>
       <p:sp>
         <p:nvSpPr>
-          <p:cNvPr id="103" name="Google Shape;103;g2e16b2adad1_0_24:notes"/>
+          <p:cNvPr id="96" name="Google Shape;96;g2e16b2adad1_0_18:notes">
+            <a:extLst>
+              <a:ext uri="{FF2B5EF4-FFF2-40B4-BE49-F238E27FC236}">
+                <a16:creationId xmlns:a16="http://schemas.microsoft.com/office/drawing/2014/main" id="{F39953B9-E7B0-3EE3-633D-A9A9FBEF9AC8}"/>
+              </a:ext>
+            </a:extLst>
+          </p:cNvPr>
           <p:cNvSpPr>
             <a:spLocks noGrp="1" noRot="1" noChangeAspect="1"/>
           </p:cNvSpPr>
@@ -1624,7 +1764,13 @@
       </p:sp>
       <p:sp>
         <p:nvSpPr>
-          <p:cNvPr id="104" name="Google Shape;104;g2e16b2adad1_0_24:notes"/>
+          <p:cNvPr id="97" name="Google Shape;97;g2e16b2adad1_0_18:notes">
+            <a:extLst>
+              <a:ext uri="{FF2B5EF4-FFF2-40B4-BE49-F238E27FC236}">
+                <a16:creationId xmlns:a16="http://schemas.microsoft.com/office/drawing/2014/main" id="{A95DDE8A-628E-2DE9-036D-BCA9DB090AAF}"/>
+              </a:ext>
+            </a:extLst>
+          </p:cNvPr>
           <p:cNvSpPr txBox="1">
             <a:spLocks noGrp="1"/>
           </p:cNvSpPr>
@@ -1661,6 +1807,11 @@
         </p:txBody>
       </p:sp>
     </p:spTree>
+    <p:extLst>
+      <p:ext uri="{BB962C8B-B14F-4D97-AF65-F5344CB8AC3E}">
+        <p14:creationId xmlns:p14="http://schemas.microsoft.com/office/powerpoint/2010/main" val="3105869745"/>
+      </p:ext>
+    </p:extLst>
   </p:cSld>
   <p:clrMapOvr>
     <a:masterClrMapping/>
@@ -1669,6 +1820,133 @@
 </file>
 
 <file path=ppt/notesSlides/notesSlide8.xml><?xml version="1.0" encoding="utf-8"?>
+<p:notes xmlns:a="http://schemas.openxmlformats.org/drawingml/2006/main" xmlns:r="http://schemas.openxmlformats.org/officeDocument/2006/relationships" xmlns:p="http://schemas.openxmlformats.org/presentationml/2006/main" showMasterSp="0" showMasterPhAnim="0">
+  <p:cSld>
+    <p:spTree>
+      <p:nvGrpSpPr>
+        <p:cNvPr id="1" name="Shape 95">
+          <a:extLst>
+            <a:ext uri="{FF2B5EF4-FFF2-40B4-BE49-F238E27FC236}">
+              <a16:creationId xmlns:a16="http://schemas.microsoft.com/office/drawing/2014/main" id="{0B6B8CF8-D800-A0C3-8198-67909600924F}"/>
+            </a:ext>
+          </a:extLst>
+        </p:cNvPr>
+        <p:cNvGrpSpPr/>
+        <p:nvPr/>
+      </p:nvGrpSpPr>
+      <p:grpSpPr>
+        <a:xfrm>
+          <a:off x="0" y="0"/>
+          <a:ext cx="0" cy="0"/>
+          <a:chOff x="0" y="0"/>
+          <a:chExt cx="0" cy="0"/>
+        </a:xfrm>
+      </p:grpSpPr>
+      <p:sp>
+        <p:nvSpPr>
+          <p:cNvPr id="96" name="Google Shape;96;g2e16b2adad1_0_18:notes">
+            <a:extLst>
+              <a:ext uri="{FF2B5EF4-FFF2-40B4-BE49-F238E27FC236}">
+                <a16:creationId xmlns:a16="http://schemas.microsoft.com/office/drawing/2014/main" id="{48A24AB3-210D-4886-3753-E8BA0C5BC76B}"/>
+              </a:ext>
+            </a:extLst>
+          </p:cNvPr>
+          <p:cNvSpPr>
+            <a:spLocks noGrp="1" noRot="1" noChangeAspect="1"/>
+          </p:cNvSpPr>
+          <p:nvPr>
+            <p:ph type="sldImg" idx="2"/>
+          </p:nvPr>
+        </p:nvSpPr>
+        <p:spPr>
+          <a:xfrm>
+            <a:off x="381000" y="685800"/>
+            <a:ext cx="6096000" cy="3429000"/>
+          </a:xfrm>
+          <a:custGeom>
+            <a:avLst/>
+            <a:gdLst/>
+            <a:ahLst/>
+            <a:cxnLst/>
+            <a:rect l="l" t="t" r="r" b="b"/>
+            <a:pathLst>
+              <a:path w="120000" h="120000" extrusionOk="0">
+                <a:moveTo>
+                  <a:pt x="0" y="0"/>
+                </a:moveTo>
+                <a:lnTo>
+                  <a:pt x="120000" y="0"/>
+                </a:lnTo>
+                <a:lnTo>
+                  <a:pt x="120000" y="120000"/>
+                </a:lnTo>
+                <a:lnTo>
+                  <a:pt x="0" y="120000"/>
+                </a:lnTo>
+                <a:close/>
+              </a:path>
+            </a:pathLst>
+          </a:custGeom>
+        </p:spPr>
+      </p:sp>
+      <p:sp>
+        <p:nvSpPr>
+          <p:cNvPr id="97" name="Google Shape;97;g2e16b2adad1_0_18:notes">
+            <a:extLst>
+              <a:ext uri="{FF2B5EF4-FFF2-40B4-BE49-F238E27FC236}">
+                <a16:creationId xmlns:a16="http://schemas.microsoft.com/office/drawing/2014/main" id="{067D2F7B-8AD8-C7DB-821E-651D274A0DBC}"/>
+              </a:ext>
+            </a:extLst>
+          </p:cNvPr>
+          <p:cNvSpPr txBox="1">
+            <a:spLocks noGrp="1"/>
+          </p:cNvSpPr>
+          <p:nvPr>
+            <p:ph type="body" idx="1"/>
+          </p:nvPr>
+        </p:nvSpPr>
+        <p:spPr>
+          <a:xfrm>
+            <a:off x="685800" y="4343400"/>
+            <a:ext cx="5486400" cy="4114800"/>
+          </a:xfrm>
+          <a:prstGeom prst="rect">
+            <a:avLst/>
+          </a:prstGeom>
+        </p:spPr>
+        <p:txBody>
+          <a:bodyPr spcFirstLastPara="1" wrap="square" lIns="91425" tIns="91425" rIns="91425" bIns="91425" anchor="t" anchorCtr="0">
+            <a:noAutofit/>
+          </a:bodyPr>
+          <a:lstStyle/>
+          <a:p>
+            <a:pPr marL="0" lvl="0" indent="0" algn="l" rtl="0">
+              <a:spcBef>
+                <a:spcPts val="0"/>
+              </a:spcBef>
+              <a:spcAft>
+                <a:spcPts val="0"/>
+              </a:spcAft>
+              <a:buNone/>
+            </a:pPr>
+            <a:endParaRPr/>
+          </a:p>
+        </p:txBody>
+      </p:sp>
+    </p:spTree>
+    <p:extLst>
+      <p:ext uri="{BB962C8B-B14F-4D97-AF65-F5344CB8AC3E}">
+        <p14:creationId xmlns:p14="http://schemas.microsoft.com/office/powerpoint/2010/main" val="428804373"/>
+      </p:ext>
+    </p:extLst>
+  </p:cSld>
+  <p:clrMapOvr>
+    <a:masterClrMapping/>
+  </p:clrMapOvr>
+</p:notes>
+</file>
+
+<file path=ppt/notesSlides/notesSlide9.xml><?xml version="1.0" encoding="utf-8"?>
 <p:notes xmlns:a="http://schemas.openxmlformats.org/drawingml/2006/main" xmlns:r="http://schemas.openxmlformats.org/officeDocument/2006/relationships" xmlns:p="http://schemas.openxmlformats.org/presentationml/2006/main" showMasterSp="0" showMasterPhAnim="0">
   <p:cSld>
     <p:spTree>
@@ -1729,110 +2007,6 @@
       <p:sp>
         <p:nvSpPr>
           <p:cNvPr id="111" name="Google Shape;111;g2e16b2adad1_0_30:notes"/>
-          <p:cNvSpPr txBox="1">
-            <a:spLocks noGrp="1"/>
-          </p:cNvSpPr>
-          <p:nvPr>
-            <p:ph type="body" idx="1"/>
-          </p:nvPr>
-        </p:nvSpPr>
-        <p:spPr>
-          <a:xfrm>
-            <a:off x="685800" y="4343400"/>
-            <a:ext cx="5486400" cy="4114800"/>
-          </a:xfrm>
-          <a:prstGeom prst="rect">
-            <a:avLst/>
-          </a:prstGeom>
-        </p:spPr>
-        <p:txBody>
-          <a:bodyPr spcFirstLastPara="1" wrap="square" lIns="91425" tIns="91425" rIns="91425" bIns="91425" anchor="t" anchorCtr="0">
-            <a:noAutofit/>
-          </a:bodyPr>
-          <a:lstStyle/>
-          <a:p>
-            <a:pPr marL="0" lvl="0" indent="0" algn="l" rtl="0">
-              <a:spcBef>
-                <a:spcPts val="0"/>
-              </a:spcBef>
-              <a:spcAft>
-                <a:spcPts val="0"/>
-              </a:spcAft>
-              <a:buNone/>
-            </a:pPr>
-            <a:endParaRPr/>
-          </a:p>
-        </p:txBody>
-      </p:sp>
-    </p:spTree>
-  </p:cSld>
-  <p:clrMapOvr>
-    <a:masterClrMapping/>
-  </p:clrMapOvr>
-</p:notes>
-</file>
-
-<file path=ppt/notesSlides/notesSlide9.xml><?xml version="1.0" encoding="utf-8"?>
-<p:notes xmlns:a="http://schemas.openxmlformats.org/drawingml/2006/main" xmlns:r="http://schemas.openxmlformats.org/officeDocument/2006/relationships" xmlns:p="http://schemas.openxmlformats.org/presentationml/2006/main" showMasterSp="0" showMasterPhAnim="0">
-  <p:cSld>
-    <p:spTree>
-      <p:nvGrpSpPr>
-        <p:cNvPr id="1" name="Shape 116"/>
-        <p:cNvGrpSpPr/>
-        <p:nvPr/>
-      </p:nvGrpSpPr>
-      <p:grpSpPr>
-        <a:xfrm>
-          <a:off x="0" y="0"/>
-          <a:ext cx="0" cy="0"/>
-          <a:chOff x="0" y="0"/>
-          <a:chExt cx="0" cy="0"/>
-        </a:xfrm>
-      </p:grpSpPr>
-      <p:sp>
-        <p:nvSpPr>
-          <p:cNvPr id="117" name="Google Shape;117;g2e16b2adad1_0_35:notes"/>
-          <p:cNvSpPr>
-            <a:spLocks noGrp="1" noRot="1" noChangeAspect="1"/>
-          </p:cNvSpPr>
-          <p:nvPr>
-            <p:ph type="sldImg" idx="2"/>
-          </p:nvPr>
-        </p:nvSpPr>
-        <p:spPr>
-          <a:xfrm>
-            <a:off x="381000" y="685800"/>
-            <a:ext cx="6096000" cy="3429000"/>
-          </a:xfrm>
-          <a:custGeom>
-            <a:avLst/>
-            <a:gdLst/>
-            <a:ahLst/>
-            <a:cxnLst/>
-            <a:rect l="l" t="t" r="r" b="b"/>
-            <a:pathLst>
-              <a:path w="120000" h="120000" extrusionOk="0">
-                <a:moveTo>
-                  <a:pt x="0" y="0"/>
-                </a:moveTo>
-                <a:lnTo>
-                  <a:pt x="120000" y="0"/>
-                </a:lnTo>
-                <a:lnTo>
-                  <a:pt x="120000" y="120000"/>
-                </a:lnTo>
-                <a:lnTo>
-                  <a:pt x="0" y="120000"/>
-                </a:lnTo>
-                <a:close/>
-              </a:path>
-            </a:pathLst>
-          </a:custGeom>
-        </p:spPr>
-      </p:sp>
-      <p:sp>
-        <p:nvSpPr>
-          <p:cNvPr id="118" name="Google Shape;118;g2e16b2adad1_0_35:notes"/>
           <p:cNvSpPr txBox="1">
             <a:spLocks noGrp="1"/>
           </p:cNvSpPr>
@@ -2105,7 +2279,7 @@
           </a:lstStyle>
           <a:p>
             <a:r>
-              <a:rPr lang="ru-RU" smtClean="0"/>
+              <a:rPr lang="ru-RU"/>
               <a:t>Образец заголовка</a:t>
             </a:r>
             <a:endParaRPr/>
@@ -2319,7 +2493,7 @@
           </a:lstStyle>
           <a:p>
             <a:r>
-              <a:rPr lang="ru-RU" smtClean="0"/>
+              <a:rPr lang="ru-RU"/>
               <a:t>Образец подзаголовка</a:t>
             </a:r>
             <a:endParaRPr/>
@@ -2791,7 +2965,7 @@
           <a:p>
             <a:pPr lvl="0"/>
             <a:r>
-              <a:rPr lang="ru-RU" smtClean="0"/>
+              <a:rPr lang="ru-RU"/>
               <a:t>Образец текста</a:t>
             </a:r>
           </a:p>
@@ -3217,7 +3391,7 @@
           </a:lstStyle>
           <a:p>
             <a:r>
-              <a:rPr lang="ru-RU" smtClean="0"/>
+              <a:rPr lang="ru-RU"/>
               <a:t>Образец заголовка</a:t>
             </a:r>
             <a:endParaRPr/>
@@ -3494,7 +3668,7 @@
           </a:lstStyle>
           <a:p>
             <a:r>
-              <a:rPr lang="ru-RU" smtClean="0"/>
+              <a:rPr lang="ru-RU"/>
               <a:t>Образец заголовка</a:t>
             </a:r>
             <a:endParaRPr/>
@@ -3628,7 +3802,7 @@
           <a:p>
             <a:pPr lvl="0"/>
             <a:r>
-              <a:rPr lang="ru-RU" smtClean="0"/>
+              <a:rPr lang="ru-RU"/>
               <a:t>Образец текста</a:t>
             </a:r>
           </a:p>
@@ -3864,7 +4038,7 @@
           </a:lstStyle>
           <a:p>
             <a:r>
-              <a:rPr lang="ru-RU" smtClean="0"/>
+              <a:rPr lang="ru-RU"/>
               <a:t>Образец заголовка</a:t>
             </a:r>
             <a:endParaRPr/>
@@ -3998,7 +4172,7 @@
           <a:p>
             <a:pPr lvl="0"/>
             <a:r>
-              <a:rPr lang="ru-RU" smtClean="0"/>
+              <a:rPr lang="ru-RU"/>
               <a:t>Образец текста</a:t>
             </a:r>
           </a:p>
@@ -4131,7 +4305,7 @@
           <a:p>
             <a:pPr lvl="0"/>
             <a:r>
-              <a:rPr lang="ru-RU" smtClean="0"/>
+              <a:rPr lang="ru-RU"/>
               <a:t>Образец текста</a:t>
             </a:r>
           </a:p>
@@ -4367,7 +4541,7 @@
           </a:lstStyle>
           <a:p>
             <a:r>
-              <a:rPr lang="ru-RU" smtClean="0"/>
+              <a:rPr lang="ru-RU"/>
               <a:t>Образец заголовка</a:t>
             </a:r>
             <a:endParaRPr/>
@@ -4604,7 +4778,7 @@
           </a:lstStyle>
           <a:p>
             <a:r>
-              <a:rPr lang="ru-RU" smtClean="0"/>
+              <a:rPr lang="ru-RU"/>
               <a:t>Образец заголовка</a:t>
             </a:r>
             <a:endParaRPr/>
@@ -4738,7 +4912,7 @@
           <a:p>
             <a:pPr lvl="0"/>
             <a:r>
-              <a:rPr lang="ru-RU" smtClean="0"/>
+              <a:rPr lang="ru-RU"/>
               <a:t>Образец текста</a:t>
             </a:r>
           </a:p>
@@ -5014,7 +5188,7 @@
           </a:lstStyle>
           <a:p>
             <a:r>
-              <a:rPr lang="ru-RU" smtClean="0"/>
+              <a:rPr lang="ru-RU"/>
               <a:t>Образец заголовка</a:t>
             </a:r>
             <a:endParaRPr/>
@@ -5380,7 +5554,7 @@
           </a:lstStyle>
           <a:p>
             <a:r>
-              <a:rPr lang="ru-RU" smtClean="0"/>
+              <a:rPr lang="ru-RU"/>
               <a:t>Образец заголовка</a:t>
             </a:r>
             <a:endParaRPr/>
@@ -5594,7 +5768,7 @@
           </a:lstStyle>
           <a:p>
             <a:r>
-              <a:rPr lang="ru-RU" smtClean="0"/>
+              <a:rPr lang="ru-RU"/>
               <a:t>Образец подзаголовка</a:t>
             </a:r>
             <a:endParaRPr/>
@@ -5791,7 +5965,7 @@
           <a:p>
             <a:pPr lvl="0"/>
             <a:r>
-              <a:rPr lang="ru-RU" smtClean="0"/>
+              <a:rPr lang="ru-RU"/>
               <a:t>Образец текста</a:t>
             </a:r>
           </a:p>
@@ -5985,7 +6159,7 @@
           <a:p>
             <a:pPr lvl="0"/>
             <a:r>
-              <a:rPr lang="ru-RU" smtClean="0"/>
+              <a:rPr lang="ru-RU"/>
               <a:t>Образец текста</a:t>
             </a:r>
           </a:p>
@@ -7655,7 +7829,7 @@
         </p:nvSpPr>
         <p:spPr>
           <a:xfrm>
-            <a:off x="1948250" y="3635125"/>
+            <a:off x="1879826" y="3439975"/>
             <a:ext cx="5087400" cy="1532700"/>
           </a:xfrm>
           <a:prstGeom prst="rect">
@@ -7668,7 +7842,7 @@
         </p:spPr>
         <p:txBody>
           <a:bodyPr spcFirstLastPara="1" wrap="square" lIns="91425" tIns="91425" rIns="91425" bIns="91425" anchor="t" anchorCtr="0">
-            <a:normAutofit fontScale="85000" lnSpcReduction="20000"/>
+            <a:normAutofit fontScale="92500" lnSpcReduction="10000"/>
           </a:bodyPr>
           <a:lstStyle>
             <a:defPPr marR="0" lvl="0" algn="l" rtl="0">
@@ -7919,45 +8093,48 @@
           </a:lstStyle>
           <a:p>
             <a:pPr marL="0" indent="0"/>
-            <a:endParaRPr lang="uk-UA" dirty="0" smtClean="0"/>
+            <a:endParaRPr lang="uk-UA" dirty="0"/>
           </a:p>
           <a:p>
             <a:pPr marL="0" indent="0" algn="l"/>
             <a:r>
-              <a:rPr lang="uk-UA" dirty="0" err="1" smtClean="0"/>
-              <a:t>Пахаренко</a:t>
-            </a:r>
-            <a:r>
-              <a:rPr lang="uk-UA" dirty="0" smtClean="0"/>
-              <a:t> Сергій Олегович ПЗПІ-21-3 </a:t>
+              <a:rPr lang="uk-UA" dirty="0"/>
+              <a:t>Пахаренко Сергій Олегович ПЗПІ-21-1</a:t>
             </a:r>
           </a:p>
           <a:p>
             <a:pPr marL="0" indent="0" algn="l"/>
             <a:r>
-              <a:rPr lang="uk-UA" dirty="0" smtClean="0"/>
-              <a:t>Керівник:  </a:t>
-            </a:r>
-            <a:r>
-              <a:rPr lang="uk-UA" dirty="0" err="1" smtClean="0"/>
-              <a:t>ст.викл</a:t>
-            </a:r>
-            <a:r>
-              <a:rPr lang="uk-UA" dirty="0" smtClean="0"/>
-              <a:t>. кафедри ПІ ВІТАЛІЙ ЛЯПОТА</a:t>
+              <a:rPr lang="uk-UA" dirty="0"/>
+              <a:t>Керівник:  ст. </a:t>
+            </a:r>
+            <a:r>
+              <a:rPr lang="uk-UA" dirty="0" err="1"/>
+              <a:t>викл</a:t>
+            </a:r>
+            <a:r>
+              <a:rPr lang="uk-UA" dirty="0"/>
+              <a:t>. каф. ПІ </a:t>
+            </a:r>
+            <a:r>
+              <a:rPr lang="uk-UA" dirty="0" err="1"/>
+              <a:t>Ляпота</a:t>
+            </a:r>
+            <a:r>
+              <a:rPr lang="uk-UA" dirty="0"/>
+              <a:t> В. М.</a:t>
             </a:r>
           </a:p>
           <a:p>
             <a:pPr marL="0" indent="0"/>
-            <a:endParaRPr lang="uk-UA" dirty="0" smtClean="0"/>
+            <a:endParaRPr lang="uk-UA" dirty="0"/>
           </a:p>
           <a:p>
             <a:pPr marL="0" indent="0"/>
             <a:r>
-              <a:rPr lang="uk-UA" dirty="0" smtClean="0"/>
-              <a:t>8 червня 2025</a:t>
-            </a:r>
-            <a:endParaRPr lang="uk-UA" dirty="0"/>
+              <a:rPr lang="uk-UA" dirty="0"/>
+              <a:t>19 червня 2025</a:t>
+            </a:r>
           </a:p>
         </p:txBody>
       </p:sp>
@@ -7970,6 +8147,260 @@
 </file>
 
 <file path=ppt/slides/slide10.xml><?xml version="1.0" encoding="utf-8"?>
+<p:sld xmlns:a="http://schemas.openxmlformats.org/drawingml/2006/main" xmlns:r="http://schemas.openxmlformats.org/officeDocument/2006/relationships" xmlns:p="http://schemas.openxmlformats.org/presentationml/2006/main">
+  <p:cSld>
+    <p:spTree>
+      <p:nvGrpSpPr>
+        <p:cNvPr id="1" name="Shape 119"/>
+        <p:cNvGrpSpPr/>
+        <p:nvPr/>
+      </p:nvGrpSpPr>
+      <p:grpSpPr>
+        <a:xfrm>
+          <a:off x="0" y="0"/>
+          <a:ext cx="0" cy="0"/>
+          <a:chOff x="0" y="0"/>
+          <a:chExt cx="0" cy="0"/>
+        </a:xfrm>
+      </p:grpSpPr>
+      <p:sp>
+        <p:nvSpPr>
+          <p:cNvPr id="120" name="Google Shape;120;p21"/>
+          <p:cNvSpPr txBox="1">
+            <a:spLocks noGrp="1"/>
+          </p:cNvSpPr>
+          <p:nvPr>
+            <p:ph type="title"/>
+          </p:nvPr>
+        </p:nvSpPr>
+        <p:spPr>
+          <a:xfrm>
+            <a:off x="268925" y="-152998"/>
+            <a:ext cx="8520600" cy="831300"/>
+          </a:xfrm>
+          <a:prstGeom prst="rect">
+            <a:avLst/>
+          </a:prstGeom>
+        </p:spPr>
+        <p:txBody>
+          <a:bodyPr spcFirstLastPara="1" wrap="square" lIns="91425" tIns="91425" rIns="91425" bIns="91425" anchor="b" anchorCtr="0">
+            <a:normAutofit/>
+          </a:bodyPr>
+          <a:lstStyle/>
+          <a:p>
+            <a:pPr marL="0" lvl="0" indent="0" algn="l" rtl="0">
+              <a:spcBef>
+                <a:spcPts val="0"/>
+              </a:spcBef>
+              <a:spcAft>
+                <a:spcPts val="0"/>
+              </a:spcAft>
+              <a:buNone/>
+            </a:pPr>
+            <a:r>
+              <a:rPr lang="uk" sz="3200" dirty="0"/>
+              <a:t>Приклад реалізації</a:t>
+            </a:r>
+            <a:endParaRPr sz="3200" dirty="0"/>
+          </a:p>
+        </p:txBody>
+      </p:sp>
+      <p:pic>
+        <p:nvPicPr>
+          <p:cNvPr id="122" name="Google Shape;122;p21"/>
+          <p:cNvPicPr preferRelativeResize="0"/>
+          <p:nvPr/>
+        </p:nvPicPr>
+        <p:blipFill>
+          <a:blip r:embed="rId3">
+            <a:alphaModFix/>
+          </a:blip>
+          <a:stretch>
+            <a:fillRect/>
+          </a:stretch>
+        </p:blipFill>
+        <p:spPr>
+          <a:xfrm>
+            <a:off x="268925" y="4359500"/>
+            <a:ext cx="862250" cy="581750"/>
+          </a:xfrm>
+          <a:prstGeom prst="rect">
+            <a:avLst/>
+          </a:prstGeom>
+          <a:noFill/>
+          <a:ln>
+            <a:noFill/>
+          </a:ln>
+        </p:spPr>
+      </p:pic>
+      <p:sp>
+        <p:nvSpPr>
+          <p:cNvPr id="2" name="TextBox 1">
+            <a:extLst>
+              <a:ext uri="{FF2B5EF4-FFF2-40B4-BE49-F238E27FC236}">
+                <a16:creationId xmlns:a16="http://schemas.microsoft.com/office/drawing/2014/main" id="{68800C66-AABB-EFA8-12F4-0C56A1243712}"/>
+              </a:ext>
+            </a:extLst>
+          </p:cNvPr>
+          <p:cNvSpPr txBox="1"/>
+          <p:nvPr/>
+        </p:nvSpPr>
+        <p:spPr>
+          <a:xfrm>
+            <a:off x="8778240" y="4606349"/>
+            <a:ext cx="284052" cy="307777"/>
+          </a:xfrm>
+          <a:prstGeom prst="rect">
+            <a:avLst/>
+          </a:prstGeom>
+          <a:noFill/>
+        </p:spPr>
+        <p:txBody>
+          <a:bodyPr wrap="none" rtlCol="0">
+            <a:spAutoFit/>
+          </a:bodyPr>
+          <a:lstStyle/>
+          <a:p>
+            <a:fld id="{A35EEF41-5B9E-4186-8855-3C8162DCC2D6}" type="slidenum">
+              <a:rPr lang="uk-UA" smtClean="0"/>
+              <a:t>10</a:t>
+            </a:fld>
+            <a:endParaRPr lang="uk-UA" dirty="0"/>
+          </a:p>
+        </p:txBody>
+      </p:sp>
+      <p:pic>
+        <p:nvPicPr>
+          <p:cNvPr id="7" name="Рисунок 6"/>
+          <p:cNvPicPr/>
+          <p:nvPr/>
+        </p:nvPicPr>
+        <p:blipFill rotWithShape="1">
+          <a:blip r:embed="rId4"/>
+          <a:srcRect t="3986" b="4618"/>
+          <a:stretch/>
+        </p:blipFill>
+        <p:spPr>
+          <a:xfrm>
+            <a:off x="268925" y="678302"/>
+            <a:ext cx="6046356" cy="3446366"/>
+          </a:xfrm>
+          <a:prstGeom prst="rect">
+            <a:avLst/>
+          </a:prstGeom>
+          <a:ln>
+            <a:solidFill>
+              <a:schemeClr val="tx1"/>
+            </a:solidFill>
+          </a:ln>
+        </p:spPr>
+      </p:pic>
+      <p:pic>
+        <p:nvPicPr>
+          <p:cNvPr id="8" name="Рисунок 7"/>
+          <p:cNvPicPr/>
+          <p:nvPr/>
+        </p:nvPicPr>
+        <p:blipFill>
+          <a:blip r:embed="rId5"/>
+          <a:stretch>
+            <a:fillRect/>
+          </a:stretch>
+        </p:blipFill>
+        <p:spPr>
+          <a:xfrm>
+            <a:off x="6713243" y="678302"/>
+            <a:ext cx="2064997" cy="2454750"/>
+          </a:xfrm>
+          <a:prstGeom prst="rect">
+            <a:avLst/>
+          </a:prstGeom>
+          <a:ln>
+            <a:solidFill>
+              <a:schemeClr val="tx1"/>
+            </a:solidFill>
+          </a:ln>
+        </p:spPr>
+      </p:pic>
+      <p:sp>
+        <p:nvSpPr>
+          <p:cNvPr id="9" name="Прямоугольник 8"/>
+          <p:cNvSpPr/>
+          <p:nvPr/>
+        </p:nvSpPr>
+        <p:spPr>
+          <a:xfrm>
+            <a:off x="1626734" y="4124668"/>
+            <a:ext cx="3900193" cy="276999"/>
+          </a:xfrm>
+          <a:prstGeom prst="rect">
+            <a:avLst/>
+          </a:prstGeom>
+        </p:spPr>
+        <p:txBody>
+          <a:bodyPr wrap="square">
+            <a:spAutoFit/>
+          </a:bodyPr>
+          <a:lstStyle/>
+          <a:p>
+            <a:pPr marL="114300" indent="0">
+              <a:buNone/>
+            </a:pPr>
+            <a:r>
+              <a:rPr lang="ru-RU" sz="1200" b="1" dirty="0"/>
+              <a:t>Головна </a:t>
+            </a:r>
+            <a:r>
+              <a:rPr lang="ru-RU" sz="1200" b="1" dirty="0" err="1"/>
+              <a:t>стор</a:t>
+            </a:r>
+            <a:r>
+              <a:rPr lang="uk-UA" sz="1200" b="1" dirty="0"/>
+              <a:t>інка розробленого модулю</a:t>
+            </a:r>
+          </a:p>
+        </p:txBody>
+      </p:sp>
+      <p:sp>
+        <p:nvSpPr>
+          <p:cNvPr id="10" name="Прямоугольник 9"/>
+          <p:cNvSpPr/>
+          <p:nvPr/>
+        </p:nvSpPr>
+        <p:spPr>
+          <a:xfrm>
+            <a:off x="6713243" y="3133052"/>
+            <a:ext cx="2064997" cy="276999"/>
+          </a:xfrm>
+          <a:prstGeom prst="rect">
+            <a:avLst/>
+          </a:prstGeom>
+        </p:spPr>
+        <p:txBody>
+          <a:bodyPr wrap="square">
+            <a:spAutoFit/>
+          </a:bodyPr>
+          <a:lstStyle/>
+          <a:p>
+            <a:pPr marL="114300" indent="0" algn="ctr">
+              <a:buNone/>
+            </a:pPr>
+            <a:r>
+              <a:rPr lang="uk-UA" sz="1200" b="1" dirty="0"/>
+              <a:t>Елемент з оплатою</a:t>
+            </a:r>
+          </a:p>
+        </p:txBody>
+      </p:sp>
+    </p:spTree>
+  </p:cSld>
+  <p:clrMapOvr>
+    <a:masterClrMapping/>
+  </p:clrMapOvr>
+</p:sld>
+</file>
+
+<file path=ppt/slides/slide11.xml><?xml version="1.0" encoding="utf-8"?>
 <p:sld xmlns:a="http://schemas.openxmlformats.org/drawingml/2006/main" xmlns:r="http://schemas.openxmlformats.org/officeDocument/2006/relationships" xmlns:p="http://schemas.openxmlformats.org/presentationml/2006/main">
   <p:cSld>
     <p:spTree>
@@ -8021,7 +8452,7 @@
               <a:buNone/>
             </a:pPr>
             <a:r>
-              <a:rPr lang="uk" sz="3200" dirty="0" smtClean="0"/>
+              <a:rPr lang="uk" sz="3200" dirty="0"/>
               <a:t>Тестування</a:t>
             </a:r>
             <a:endParaRPr sz="3200" dirty="0"/>
@@ -8086,7 +8517,7 @@
           <a:p>
             <a:fld id="{A35EEF41-5B9E-4186-8855-3C8162DCC2D6}" type="slidenum">
               <a:rPr lang="uk-UA" smtClean="0"/>
-              <a:t>10</a:t>
+              <a:t>11</a:t>
             </a:fld>
             <a:endParaRPr lang="uk-UA" dirty="0"/>
           </a:p>
@@ -8177,7 +8608,7 @@
 </p:sld>
 </file>
 
-<file path=ppt/slides/slide11.xml><?xml version="1.0" encoding="utf-8"?>
+<file path=ppt/slides/slide12.xml><?xml version="1.0" encoding="utf-8"?>
 <p:sld xmlns:a="http://schemas.openxmlformats.org/drawingml/2006/main" xmlns:r="http://schemas.openxmlformats.org/officeDocument/2006/relationships" xmlns:p="http://schemas.openxmlformats.org/presentationml/2006/main">
   <p:cSld>
     <p:spTree>
@@ -8294,7 +8725,7 @@
           <a:p>
             <a:fld id="{A35EEF41-5B9E-4186-8855-3C8162DCC2D6}" type="slidenum">
               <a:rPr lang="uk-UA" smtClean="0"/>
-              <a:t>11</a:t>
+              <a:t>12</a:t>
             </a:fld>
             <a:endParaRPr lang="uk-UA" dirty="0"/>
           </a:p>
@@ -8326,11 +8757,7 @@
             </a:pPr>
             <a:r>
               <a:rPr lang="uk-UA" dirty="0"/>
-              <a:t>Прототип показав відповідність вимогам швидкості й </a:t>
-            </a:r>
-            <a:r>
-              <a:rPr lang="uk-UA" dirty="0" smtClean="0"/>
-              <a:t>безпеки</a:t>
+              <a:t>Прототип показав відповідність вимогам швидкості й безпеки.</a:t>
             </a:r>
           </a:p>
           <a:p>
@@ -8345,11 +8772,7 @@
             </a:pPr>
             <a:r>
               <a:rPr lang="uk-UA" dirty="0"/>
-              <a:t>Чітка модульність спрощує масштабування </a:t>
-            </a:r>
-            <a:r>
-              <a:rPr lang="uk-UA" dirty="0" smtClean="0"/>
-              <a:t>функціоналу</a:t>
+              <a:t>Чітка модульність спрощує масштабування функціоналу.</a:t>
             </a:r>
           </a:p>
           <a:p>
@@ -8363,21 +8786,21 @@
               <a:defRPr sz="2400"/>
             </a:pPr>
             <a:r>
-              <a:rPr lang="uk-UA" b="1" noProof="1" smtClean="0"/>
+              <a:rPr lang="uk-UA" b="1" noProof="1"/>
               <a:t>Майбутн</a:t>
             </a:r>
             <a:r>
-              <a:rPr lang="uk-UA" b="1" dirty="0" smtClean="0"/>
-              <a:t>є</a:t>
-            </a:r>
-            <a:endParaRPr lang="ru-RU" b="1" dirty="0" smtClean="0"/>
+              <a:rPr lang="uk-UA" b="1" dirty="0"/>
+              <a:t>є:</a:t>
+            </a:r>
+            <a:endParaRPr lang="ru-RU" b="1" dirty="0"/>
           </a:p>
           <a:p>
             <a:pPr algn="ctr">
               <a:defRPr sz="2400"/>
             </a:pPr>
             <a:r>
-              <a:rPr lang="en-US" dirty="0" smtClean="0"/>
+              <a:rPr lang="en-US" dirty="0"/>
               <a:t>ML‑</a:t>
             </a:r>
             <a:r>
@@ -8412,7 +8835,13 @@
   <p:cSld>
     <p:spTree>
       <p:nvGrpSpPr>
-        <p:cNvPr id="1" name="Shape 70"/>
+        <p:cNvPr id="1" name="Shape 70">
+          <a:extLst>
+            <a:ext uri="{FF2B5EF4-FFF2-40B4-BE49-F238E27FC236}">
+              <a16:creationId xmlns:a16="http://schemas.microsoft.com/office/drawing/2014/main" id="{8B5DAE55-D2EF-DE22-6177-5213FD4D226A}"/>
+            </a:ext>
+          </a:extLst>
+        </p:cNvPr>
         <p:cNvGrpSpPr/>
         <p:nvPr/>
       </p:nvGrpSpPr>
@@ -8426,7 +8855,13 @@
       </p:grpSpPr>
       <p:sp>
         <p:nvSpPr>
-          <p:cNvPr id="71" name="Google Shape;71;p14"/>
+          <p:cNvPr id="71" name="Google Shape;71;p14">
+            <a:extLst>
+              <a:ext uri="{FF2B5EF4-FFF2-40B4-BE49-F238E27FC236}">
+                <a16:creationId xmlns:a16="http://schemas.microsoft.com/office/drawing/2014/main" id="{48E8761B-0EAB-4872-3C60-2CBF4BA8C058}"/>
+              </a:ext>
+            </a:extLst>
+          </p:cNvPr>
           <p:cNvSpPr txBox="1">
             <a:spLocks noGrp="1"/>
           </p:cNvSpPr>
@@ -8459,7 +8894,7 @@
               <a:buNone/>
             </a:pPr>
             <a:r>
-              <a:rPr lang="uk" sz="3200" dirty="0" smtClean="0"/>
+              <a:rPr lang="uk" sz="3200" dirty="0"/>
               <a:t>Мета роботи</a:t>
             </a:r>
             <a:endParaRPr sz="3200" dirty="0"/>
@@ -8468,7 +8903,13 @@
       </p:sp>
       <p:sp>
         <p:nvSpPr>
-          <p:cNvPr id="72" name="Google Shape;72;p14"/>
+          <p:cNvPr id="72" name="Google Shape;72;p14">
+            <a:extLst>
+              <a:ext uri="{FF2B5EF4-FFF2-40B4-BE49-F238E27FC236}">
+                <a16:creationId xmlns:a16="http://schemas.microsoft.com/office/drawing/2014/main" id="{E9C90F0E-00A1-640C-C331-3078B3D9E637}"/>
+              </a:ext>
+            </a:extLst>
+          </p:cNvPr>
           <p:cNvSpPr txBox="1">
             <a:spLocks noGrp="1"/>
           </p:cNvSpPr>
@@ -8479,7 +8920,7 @@
         <p:spPr>
           <a:xfrm>
             <a:off x="311700" y="650261"/>
-            <a:ext cx="8520600" cy="1060775"/>
+            <a:ext cx="8520600" cy="773590"/>
           </a:xfrm>
           <a:prstGeom prst="rect">
             <a:avLst/>
@@ -8498,16 +8939,10 @@
               <a:buNone/>
             </a:pPr>
             <a:r>
-              <a:rPr lang="ru-RU" b="1" noProof="1" smtClean="0">
-                <a:latin typeface="+mn-lt"/>
-              </a:rPr>
-              <a:t>Створити </a:t>
-            </a:r>
-            <a:r>
               <a:rPr lang="ru-RU" b="1" noProof="1">
                 <a:latin typeface="+mn-lt"/>
               </a:rPr>
-              <a:t>UI, що спрощує запуск і супровід кампаній</a:t>
+              <a:t>Створити UI, що спрощує запуск і супровід кампаній</a:t>
             </a:r>
           </a:p>
           <a:p>
@@ -8528,7 +8963,13 @@
       </p:sp>
       <p:pic>
         <p:nvPicPr>
-          <p:cNvPr id="73" name="Google Shape;73;p14"/>
+          <p:cNvPr id="73" name="Google Shape;73;p14">
+            <a:extLst>
+              <a:ext uri="{FF2B5EF4-FFF2-40B4-BE49-F238E27FC236}">
+                <a16:creationId xmlns:a16="http://schemas.microsoft.com/office/drawing/2014/main" id="{16CBD4EC-4C38-D6B5-6F4A-01306E817CCF}"/>
+              </a:ext>
+            </a:extLst>
+          </p:cNvPr>
           <p:cNvPicPr preferRelativeResize="0"/>
           <p:nvPr/>
         </p:nvPicPr>
@@ -8559,7 +9000,7 @@
           <p:cNvPr id="2" name="TextBox 1">
             <a:extLst>
               <a:ext uri="{FF2B5EF4-FFF2-40B4-BE49-F238E27FC236}">
-                <a16:creationId xmlns:a16="http://schemas.microsoft.com/office/drawing/2014/main" id="{893E68CA-DEF7-D32D-BFB6-7B402335F4C7}"/>
+                <a16:creationId xmlns:a16="http://schemas.microsoft.com/office/drawing/2014/main" id="{748197BB-617A-59DC-E9DA-51A1FFA1DB2F}"/>
               </a:ext>
             </a:extLst>
           </p:cNvPr>
@@ -8592,13 +9033,19 @@
       </p:sp>
       <p:sp>
         <p:nvSpPr>
-          <p:cNvPr id="3" name="TextBox 2"/>
+          <p:cNvPr id="3" name="TextBox 2">
+            <a:extLst>
+              <a:ext uri="{FF2B5EF4-FFF2-40B4-BE49-F238E27FC236}">
+                <a16:creationId xmlns:a16="http://schemas.microsoft.com/office/drawing/2014/main" id="{E000AD1A-15E2-AD7E-ADFA-003468BB88BD}"/>
+              </a:ext>
+            </a:extLst>
+          </p:cNvPr>
           <p:cNvSpPr txBox="1"/>
           <p:nvPr/>
         </p:nvSpPr>
         <p:spPr>
           <a:xfrm>
-            <a:off x="2004012" y="2058046"/>
+            <a:off x="7105267" y="1483440"/>
             <a:ext cx="1487334" cy="307777"/>
           </a:xfrm>
           <a:prstGeom prst="rect">
@@ -8613,7 +9060,7 @@
           <a:lstStyle/>
           <a:p>
             <a:r>
-              <a:rPr lang="uk-UA" b="1" dirty="0" smtClean="0">
+              <a:rPr lang="uk-UA" b="1" dirty="0">
                 <a:solidFill>
                   <a:schemeClr val="accent3">
                     <a:lumMod val="75000"/>
@@ -8634,14 +9081,23 @@
       </p:sp>
       <p:cxnSp>
         <p:nvCxnSpPr>
-          <p:cNvPr id="5" name="Прямая со стрелкой 4"/>
-          <p:cNvCxnSpPr/>
+          <p:cNvPr id="5" name="Прямая со стрелкой 4">
+            <a:extLst>
+              <a:ext uri="{FF2B5EF4-FFF2-40B4-BE49-F238E27FC236}">
+                <a16:creationId xmlns:a16="http://schemas.microsoft.com/office/drawing/2014/main" id="{51A262CB-0ED3-028F-7A7A-095411835C44}"/>
+              </a:ext>
+            </a:extLst>
+          </p:cNvPr>
+          <p:cNvCxnSpPr>
+            <a:cxnSpLocks/>
+            <a:endCxn id="9" idx="0"/>
+          </p:cNvCxnSpPr>
           <p:nvPr/>
         </p:nvCxnSpPr>
         <p:spPr>
           <a:xfrm flipH="1">
-            <a:off x="1284802" y="2506316"/>
-            <a:ext cx="727363" cy="997527"/>
+            <a:off x="6797272" y="1800361"/>
+            <a:ext cx="602988" cy="836210"/>
           </a:xfrm>
           <a:prstGeom prst="straightConnector1">
             <a:avLst/>
@@ -8667,14 +9123,22 @@
       </p:cxnSp>
       <p:cxnSp>
         <p:nvCxnSpPr>
-          <p:cNvPr id="10" name="Прямая со стрелкой 9"/>
-          <p:cNvCxnSpPr/>
+          <p:cNvPr id="10" name="Прямая со стрелкой 9">
+            <a:extLst>
+              <a:ext uri="{FF2B5EF4-FFF2-40B4-BE49-F238E27FC236}">
+                <a16:creationId xmlns:a16="http://schemas.microsoft.com/office/drawing/2014/main" id="{3D5E4317-ACDE-BA0F-249B-D9148C6F1918}"/>
+              </a:ext>
+            </a:extLst>
+          </p:cNvPr>
+          <p:cNvCxnSpPr>
+            <a:cxnSpLocks/>
+          </p:cNvCxnSpPr>
           <p:nvPr/>
         </p:nvCxnSpPr>
         <p:spPr>
-          <a:xfrm flipH="1">
-            <a:off x="2747678" y="2521824"/>
-            <a:ext cx="1" cy="1077350"/>
+          <a:xfrm>
+            <a:off x="7707797" y="1825031"/>
+            <a:ext cx="0" cy="1357428"/>
           </a:xfrm>
           <a:prstGeom prst="straightConnector1">
             <a:avLst/>
@@ -8700,14 +9164,22 @@
       </p:cxnSp>
       <p:cxnSp>
         <p:nvCxnSpPr>
-          <p:cNvPr id="14" name="Прямая со стрелкой 13"/>
-          <p:cNvCxnSpPr/>
+          <p:cNvPr id="14" name="Прямая со стрелкой 13">
+            <a:extLst>
+              <a:ext uri="{FF2B5EF4-FFF2-40B4-BE49-F238E27FC236}">
+                <a16:creationId xmlns:a16="http://schemas.microsoft.com/office/drawing/2014/main" id="{0B02623C-77B4-4B19-FB0F-7FDB07ECD510}"/>
+              </a:ext>
+            </a:extLst>
+          </p:cNvPr>
+          <p:cNvCxnSpPr>
+            <a:cxnSpLocks/>
+          </p:cNvCxnSpPr>
           <p:nvPr/>
         </p:nvCxnSpPr>
         <p:spPr>
           <a:xfrm>
-            <a:off x="3491346" y="2507672"/>
-            <a:ext cx="727363" cy="997527"/>
+            <a:off x="8069848" y="1800361"/>
+            <a:ext cx="597358" cy="836210"/>
           </a:xfrm>
           <a:prstGeom prst="straightConnector1">
             <a:avLst/>
@@ -8733,14 +9205,20 @@
       </p:cxnSp>
       <p:sp>
         <p:nvSpPr>
-          <p:cNvPr id="9" name="Прямоугольник 8"/>
+          <p:cNvPr id="9" name="Прямоугольник 8">
+            <a:extLst>
+              <a:ext uri="{FF2B5EF4-FFF2-40B4-BE49-F238E27FC236}">
+                <a16:creationId xmlns:a16="http://schemas.microsoft.com/office/drawing/2014/main" id="{F18807CD-2B31-D199-CAB3-42A782DA087A}"/>
+              </a:ext>
+            </a:extLst>
+          </p:cNvPr>
           <p:cNvSpPr/>
           <p:nvPr/>
         </p:nvSpPr>
         <p:spPr>
           <a:xfrm>
-            <a:off x="186742" y="3503843"/>
-            <a:ext cx="1825423" cy="369332"/>
+            <a:off x="6070739" y="2636571"/>
+            <a:ext cx="1453066" cy="507831"/>
           </a:xfrm>
           <a:prstGeom prst="rect">
             <a:avLst/>
@@ -8762,13 +9240,19 @@
       </p:sp>
       <p:sp>
         <p:nvSpPr>
-          <p:cNvPr id="17" name="Прямоугольник 16"/>
+          <p:cNvPr id="17" name="Прямоугольник 16">
+            <a:extLst>
+              <a:ext uri="{FF2B5EF4-FFF2-40B4-BE49-F238E27FC236}">
+                <a16:creationId xmlns:a16="http://schemas.microsoft.com/office/drawing/2014/main" id="{B5E0A816-FBDB-9690-5891-421430C54706}"/>
+              </a:ext>
+            </a:extLst>
+          </p:cNvPr>
           <p:cNvSpPr/>
           <p:nvPr/>
         </p:nvSpPr>
         <p:spPr>
           <a:xfrm>
-            <a:off x="1891096" y="3551466"/>
+            <a:off x="6788897" y="3321377"/>
             <a:ext cx="1817357" cy="369332"/>
           </a:xfrm>
           <a:prstGeom prst="rect">
@@ -8784,21 +9268,27 @@
             <a:pPr algn="ctr"/>
             <a:r>
               <a:rPr lang="ru-RU" sz="900" noProof="1"/>
-              <a:t>Мобільний трафік &gt; 60 % усіх платежів</a:t>
+              <a:t>Мобільний трафік &gt; 60% усіх платежів</a:t>
             </a:r>
           </a:p>
         </p:txBody>
       </p:sp>
       <p:sp>
         <p:nvSpPr>
-          <p:cNvPr id="18" name="Прямоугольник 17"/>
+          <p:cNvPr id="18" name="Прямоугольник 17">
+            <a:extLst>
+              <a:ext uri="{FF2B5EF4-FFF2-40B4-BE49-F238E27FC236}">
+                <a16:creationId xmlns:a16="http://schemas.microsoft.com/office/drawing/2014/main" id="{D73B1412-3488-9C01-C8E8-E41FD6B67D05}"/>
+              </a:ext>
+            </a:extLst>
+          </p:cNvPr>
           <p:cNvSpPr/>
           <p:nvPr/>
         </p:nvSpPr>
         <p:spPr>
           <a:xfrm>
-            <a:off x="3581462" y="3503843"/>
-            <a:ext cx="1692090" cy="369332"/>
+            <a:off x="7850548" y="2638949"/>
+            <a:ext cx="1293452" cy="505453"/>
           </a:xfrm>
           <a:prstGeom prst="rect">
             <a:avLst/>
@@ -8836,7 +9326,7 @@
       </p:sp>
       <p:pic>
         <p:nvPicPr>
-          <p:cNvPr id="15" name="Рисунок 14"/>
+          <p:cNvPr id="7" name="Рисунок 14"/>
           <p:cNvPicPr/>
           <p:nvPr/>
         </p:nvPicPr>
@@ -8848,8 +9338,8 @@
         </p:blipFill>
         <p:spPr>
           <a:xfrm>
-            <a:off x="4235013" y="1342288"/>
-            <a:ext cx="4785879" cy="1873336"/>
+            <a:off x="365760" y="1262198"/>
+            <a:ext cx="5706237" cy="2833008"/>
           </a:xfrm>
           <a:prstGeom prst="rect">
             <a:avLst/>
@@ -8862,6 +9352,11 @@
         </p:spPr>
       </p:pic>
     </p:spTree>
+    <p:extLst>
+      <p:ext uri="{BB962C8B-B14F-4D97-AF65-F5344CB8AC3E}">
+        <p14:creationId xmlns:p14="http://schemas.microsoft.com/office/powerpoint/2010/main" val="3101092739"/>
+      </p:ext>
+    </p:extLst>
   </p:cSld>
   <p:clrMapOvr>
     <a:masterClrMapping/>
@@ -8992,8 +9487,8 @@
         </p:nvSpPr>
         <p:spPr>
           <a:xfrm>
-            <a:off x="268925" y="605254"/>
-            <a:ext cx="8854863" cy="4001095"/>
+            <a:off x="268925" y="802476"/>
+            <a:ext cx="8854863" cy="3754874"/>
           </a:xfrm>
           <a:prstGeom prst="rect">
             <a:avLst/>
@@ -9007,86 +9502,75 @@
           <a:lstStyle/>
           <a:p>
             <a:r>
-              <a:rPr lang="uk-UA" sz="1600" b="1" noProof="1" smtClean="0"/>
+              <a:rPr lang="uk-UA" sz="1600" b="1" noProof="1"/>
               <a:t>Криза довіри:</a:t>
             </a:r>
             <a:r>
-              <a:rPr lang="uk-UA" sz="1600" noProof="1" smtClean="0"/>
-              <a:t> фейкові кампанії та шахрайство → скепсис донорів, різке падіння конверсії</a:t>
-            </a:r>
-          </a:p>
-          <a:p>
-            <a:endParaRPr lang="uk-UA" sz="1600" b="1" dirty="0" smtClean="0"/>
-          </a:p>
-          <a:p>
-            <a:r>
-              <a:rPr lang="uk-UA" sz="1600" b="1" dirty="0" smtClean="0"/>
-              <a:t>Донорська </a:t>
-            </a:r>
+              <a:rPr lang="uk-UA" sz="1600" noProof="1"/>
+              <a:t> фейкові кампанії та шахрайство → скепсис донорів, різке падіння конверсії.</a:t>
+            </a:r>
+          </a:p>
+          <a:p>
+            <a:endParaRPr lang="uk-UA" sz="1600" b="1" dirty="0"/>
+          </a:p>
+          <a:p>
             <a:r>
               <a:rPr lang="uk-UA" sz="1600" b="1" dirty="0"/>
-              <a:t>втома:</a:t>
-            </a:r>
-            <a:r>
-              <a:rPr lang="uk-UA" sz="1600" dirty="0"/>
-              <a:t> -25 … 30 % надходжень після 2 років постійних зборів</a:t>
-            </a:r>
-          </a:p>
-          <a:p>
-            <a:endParaRPr lang="uk-UA" sz="1600" b="1" dirty="0" smtClean="0"/>
-          </a:p>
-          <a:p>
-            <a:r>
-              <a:rPr lang="uk-UA" sz="1600" b="1" dirty="0" smtClean="0"/>
-              <a:t>Регуляторний </a:t>
-            </a:r>
-            <a:r>
-              <a:rPr lang="uk-UA" sz="1600" b="1" dirty="0"/>
-              <a:t>прес:</a:t>
+              <a:t>Донорська втома:</a:t>
             </a:r>
             <a:r>
               <a:rPr lang="uk-UA" sz="1600" dirty="0"/>
               <a:t> </a:t>
             </a:r>
             <a:r>
+              <a:rPr lang="ru-RU" sz="1600" dirty="0"/>
+              <a:t>на </a:t>
+            </a:r>
+            <a:r>
+              <a:rPr lang="uk-UA" sz="1600" dirty="0"/>
+              <a:t>25-30% менше надходжень після 2 років постійних зборів.</a:t>
+            </a:r>
+          </a:p>
+          <a:p>
+            <a:endParaRPr lang="uk-UA" sz="1600" b="1" dirty="0"/>
+          </a:p>
+          <a:p>
+            <a:r>
+              <a:rPr lang="uk-UA" sz="1600" b="1" dirty="0"/>
+              <a:t>Регуляторний прес:</a:t>
+            </a:r>
+            <a:r>
+              <a:rPr lang="uk-UA" sz="1600" dirty="0"/>
+              <a:t> </a:t>
+            </a:r>
+            <a:r>
               <a:rPr lang="en-US" sz="1600" dirty="0"/>
               <a:t>AML / KYC + PSD2 SCA = </a:t>
             </a:r>
             <a:r>
               <a:rPr lang="uk-UA" sz="1600" dirty="0"/>
-              <a:t>більше полів, довші форми, вище </a:t>
-            </a:r>
-            <a:r>
-              <a:rPr lang="uk-UA" sz="1600" dirty="0" smtClean="0"/>
-              <a:t>відтік</a:t>
-            </a:r>
-          </a:p>
-          <a:p>
-            <a:endParaRPr lang="uk-UA" sz="1600" b="1" dirty="0" smtClean="0"/>
-          </a:p>
-          <a:p>
-            <a:r>
-              <a:rPr lang="uk-UA" sz="1600" b="1" dirty="0" smtClean="0"/>
-              <a:t>Комісії </a:t>
-            </a:r>
+              <a:t>більше полів, довші форми, вище відтік.</a:t>
+            </a:r>
+          </a:p>
+          <a:p>
+            <a:endParaRPr lang="uk-UA" sz="1600" b="1" dirty="0"/>
+          </a:p>
+          <a:p>
             <a:r>
               <a:rPr lang="uk-UA" sz="1600" b="1" dirty="0"/>
-              <a:t>3 – 5 %:</a:t>
+              <a:t>Комісії 3 – 5 %:</a:t>
             </a:r>
             <a:r>
               <a:rPr lang="uk-UA" sz="1600" dirty="0"/>
-              <a:t> тариф + приховані витрати «з’їдають» частину пожертви</a:t>
-            </a:r>
-          </a:p>
-          <a:p>
-            <a:endParaRPr lang="uk-UA" sz="1600" b="1" dirty="0" smtClean="0"/>
+              <a:t> тариф + приховані витрати «з’їдають» частину пожертви.</a:t>
+            </a:r>
           </a:p>
           <a:p>
             <a:endParaRPr lang="uk-UA" sz="1600" b="1" dirty="0"/>
           </a:p>
           <a:p>
             <a:r>
-              <a:rPr lang="uk-UA" sz="1600" b="1" dirty="0" err="1" smtClean="0"/>
+              <a:rPr lang="uk-UA" sz="1600" b="1" dirty="0" err="1"/>
               <a:t>Кіберзагрози</a:t>
             </a:r>
             <a:r>
@@ -9095,7 +9579,7 @@
             </a:r>
             <a:r>
               <a:rPr lang="uk-UA" sz="1600" dirty="0"/>
-              <a:t> 30 % фондів мали </a:t>
+              <a:t> 30% фондів мали </a:t>
             </a:r>
             <a:r>
               <a:rPr lang="uk-UA" sz="1600" dirty="0" err="1"/>
@@ -9123,41 +9607,33 @@
             </a:r>
             <a:r>
               <a:rPr lang="uk-UA" sz="1600" dirty="0"/>
-              <a:t>репутаційний </a:t>
-            </a:r>
-            <a:r>
-              <a:rPr lang="uk-UA" sz="1600" dirty="0" smtClean="0"/>
-              <a:t>крах</a:t>
-            </a:r>
-          </a:p>
-          <a:p>
-            <a:endParaRPr lang="ru-RU" sz="1600" b="1" dirty="0" smtClean="0"/>
+              <a:t>репутаційний крах.</a:t>
+            </a:r>
           </a:p>
           <a:p>
             <a:endParaRPr lang="ru-RU" sz="1600" b="1" dirty="0"/>
           </a:p>
           <a:p>
             <a:r>
-              <a:rPr lang="en-US" sz="1600" b="1" dirty="0" smtClean="0"/>
+              <a:rPr lang="en-US" sz="1600" b="1" dirty="0"/>
               <a:t>Latency &gt; 200 </a:t>
             </a:r>
             <a:r>
-              <a:rPr lang="uk-UA" sz="1600" b="1" dirty="0" smtClean="0"/>
+              <a:rPr lang="uk-UA" sz="1600" b="1" dirty="0"/>
               <a:t>мс:</a:t>
             </a:r>
             <a:r>
-              <a:rPr lang="uk-UA" sz="1600" dirty="0" smtClean="0"/>
+              <a:rPr lang="uk-UA" sz="1600" dirty="0"/>
               <a:t> повільний прогрес-бар → донор сумнівається, не повертається</a:t>
             </a:r>
           </a:p>
           <a:p>
-            <a:r>
-              <a:rPr lang="uk-UA" sz="1600" dirty="0" smtClean="0"/>
-              <a:t>Ці </a:t>
-            </a:r>
+            <a:endParaRPr lang="uk-UA" sz="1600" dirty="0"/>
+          </a:p>
+          <a:p>
             <a:r>
               <a:rPr lang="uk-UA" sz="1600" dirty="0"/>
-              <a:t>шість </a:t>
+              <a:t>Ці шість </a:t>
             </a:r>
             <a:r>
               <a:rPr lang="uk-UA" sz="1600" dirty="0" err="1"/>
@@ -9165,29 +9641,16 @@
             </a:r>
             <a:r>
               <a:rPr lang="uk-UA" sz="1600" dirty="0"/>
-              <a:t> формують вимоги до нової клієнтської частини: миттєвий </a:t>
-            </a:r>
-            <a:r>
-              <a:rPr lang="uk-UA" sz="1600" dirty="0" err="1"/>
-              <a:t>фідбек</a:t>
+              <a:t> формують вимоги до нової клієнтської частини: миттєвий фідбек, прозорість у реальному часі, мінімум перешкод</a:t>
+            </a:r>
+            <a:r>
+              <a:rPr lang="en-US" sz="1600" dirty="0"/>
+              <a:t> </a:t>
             </a:r>
             <a:r>
               <a:rPr lang="uk-UA" sz="1600" dirty="0"/>
-              <a:t>, прозорість у реальному часі, мінімум </a:t>
-            </a:r>
-            <a:r>
-              <a:rPr lang="en-US" sz="1600" dirty="0"/>
-              <a:t>friction </a:t>
-            </a:r>
-            <a:r>
-              <a:rPr lang="uk-UA" sz="1600" dirty="0"/>
-              <a:t>і вбудована </a:t>
-            </a:r>
-            <a:r>
-              <a:rPr lang="uk-UA" sz="1600" dirty="0" smtClean="0"/>
-              <a:t>безпека</a:t>
-            </a:r>
-            <a:endParaRPr lang="uk-UA" sz="1600" dirty="0"/>
+              <a:t>і вбудована безпека.</a:t>
+            </a:r>
           </a:p>
           <a:p>
             <a:endParaRPr lang="uk-UA" dirty="0"/>
@@ -9255,19 +9718,19 @@
             </a:pPr>
             <a:r>
               <a:rPr lang="uk" sz="3200" dirty="0"/>
-              <a:t>Постановка </a:t>
-            </a:r>
-            <a:r>
-              <a:rPr lang="uk" sz="3200" dirty="0" smtClean="0"/>
-              <a:t>задачі та </a:t>
-            </a:r>
-            <a:r>
-              <a:rPr lang="ru-RU" sz="3200" err="1" smtClean="0"/>
+              <a:t>Постановка задачі та </a:t>
+            </a:r>
+            <a:r>
+              <a:rPr lang="ru-RU" sz="3200" dirty="0" err="1"/>
               <a:t>арх</a:t>
             </a:r>
             <a:r>
-              <a:rPr lang="uk-UA" sz="3200" smtClean="0"/>
-              <a:t>ітектура системи</a:t>
+              <a:rPr lang="uk-UA" sz="3200" dirty="0" err="1"/>
+              <a:t>ітектура</a:t>
+            </a:r>
+            <a:r>
+              <a:rPr lang="uk-UA" sz="3200" dirty="0"/>
+              <a:t> системи</a:t>
             </a:r>
             <a:endParaRPr sz="3200" dirty="0"/>
           </a:p>
@@ -9347,8 +9810,8 @@
         </p:nvSpPr>
         <p:spPr>
           <a:xfrm>
-            <a:off x="-81280" y="365760"/>
-            <a:ext cx="9143573" cy="4906827"/>
+            <a:off x="81708" y="391886"/>
+            <a:ext cx="8980585" cy="4880701"/>
           </a:xfrm>
           <a:prstGeom prst="rect">
             <a:avLst/>
@@ -9610,91 +10073,86 @@
             </a:lvl9pPr>
           </a:lstStyle>
           <a:p>
-            <a:endParaRPr lang="uk-UA" dirty="0" smtClean="0"/>
-          </a:p>
-          <a:p>
-            <a:pPr marL="114300" indent="0">
+            <a:pPr algn="ctr"/>
+            <a:endParaRPr lang="uk-UA" dirty="0"/>
+          </a:p>
+          <a:p>
+            <a:pPr marL="114300" indent="0" algn="ctr">
               <a:buNone/>
             </a:pPr>
             <a:r>
-              <a:rPr lang="uk-UA" b="1" dirty="0" err="1" smtClean="0">
+              <a:rPr lang="uk-UA" b="1" dirty="0" err="1">
                 <a:latin typeface="+mn-lt"/>
               </a:rPr>
               <a:t>Обʼєкт</a:t>
             </a:r>
             <a:r>
-              <a:rPr lang="uk-UA" b="1" dirty="0" smtClean="0">
-                <a:latin typeface="+mn-lt"/>
-              </a:rPr>
-              <a:t>: </a:t>
-            </a:r>
-            <a:r>
               <a:rPr lang="uk-UA" b="1" dirty="0">
                 <a:latin typeface="+mn-lt"/>
               </a:rPr>
-              <a:t>веб‑взаємодія донор ↔ організатор</a:t>
-            </a:r>
-          </a:p>
-          <a:p>
-            <a:pPr marL="114300" indent="0">
+              <a:t>: веб‑взаємодія донор ↔ організатор</a:t>
+            </a:r>
+          </a:p>
+          <a:p>
+            <a:pPr marL="114300" indent="0" algn="ctr">
               <a:buNone/>
             </a:pPr>
             <a:endParaRPr lang="uk-UA" b="1" dirty="0"/>
           </a:p>
           <a:p>
-            <a:pPr marL="114300" indent="0">
-              <a:buNone/>
-            </a:pPr>
-            <a:endParaRPr lang="uk-UA" b="1" dirty="0" smtClean="0"/>
-          </a:p>
-          <a:p>
-            <a:pPr marL="114300" indent="0">
+            <a:pPr marL="114300" indent="0" algn="ctr">
               <a:buNone/>
             </a:pPr>
             <a:endParaRPr lang="uk-UA" b="1" dirty="0"/>
           </a:p>
           <a:p>
-            <a:pPr marL="114300" indent="0">
-              <a:buNone/>
-            </a:pPr>
-            <a:endParaRPr lang="uk-UA" b="1" dirty="0" smtClean="0"/>
-          </a:p>
-          <a:p>
-            <a:pPr marL="114300" indent="0">
+            <a:pPr marL="114300" indent="0" algn="ctr">
               <a:buNone/>
             </a:pPr>
             <a:endParaRPr lang="uk-UA" b="1" dirty="0"/>
           </a:p>
           <a:p>
-            <a:pPr marL="114300" indent="0">
-              <a:buNone/>
-            </a:pPr>
-            <a:endParaRPr lang="uk-UA" b="1" dirty="0" smtClean="0"/>
-          </a:p>
-          <a:p>
-            <a:pPr marL="114300" indent="0">
+            <a:pPr marL="114300" indent="0" algn="ctr">
               <a:buNone/>
             </a:pPr>
             <a:endParaRPr lang="uk-UA" b="1" dirty="0"/>
           </a:p>
           <a:p>
-            <a:pPr marL="114300" indent="0">
+            <a:pPr marL="114300" indent="0" algn="ctr">
               <a:buNone/>
             </a:pPr>
-            <a:endParaRPr lang="ru-RU" b="1" dirty="0" smtClean="0"/>
-          </a:p>
-          <a:p>
-            <a:pPr marL="114300" indent="0">
+            <a:endParaRPr lang="uk-UA" b="1" dirty="0"/>
+          </a:p>
+          <a:p>
+            <a:pPr marL="114300" indent="0" algn="ctr">
               <a:buNone/>
             </a:pPr>
-            <a:endParaRPr lang="uk-UA" b="1" dirty="0" smtClean="0"/>
-          </a:p>
-          <a:p>
-            <a:pPr marL="114300" indent="0" algn="r">
+            <a:endParaRPr lang="uk-UA" b="1" dirty="0"/>
+          </a:p>
+          <a:p>
+            <a:pPr marL="114300" indent="0" algn="ctr">
               <a:buNone/>
             </a:pPr>
-            <a:r>
-              <a:rPr lang="uk-UA" b="1" dirty="0" smtClean="0">
+            <a:endParaRPr lang="uk-UA" b="1" dirty="0"/>
+          </a:p>
+          <a:p>
+            <a:pPr marL="114300" indent="0" algn="ctr">
+              <a:buNone/>
+            </a:pPr>
+            <a:endParaRPr lang="ru-RU" b="1" dirty="0"/>
+          </a:p>
+          <a:p>
+            <a:pPr marL="114300" indent="0" algn="ctr">
+              <a:buNone/>
+            </a:pPr>
+            <a:endParaRPr lang="uk-UA" b="1" dirty="0"/>
+          </a:p>
+          <a:p>
+            <a:pPr marL="114300" indent="0" algn="ctr">
+              <a:buNone/>
+            </a:pPr>
+            <a:r>
+              <a:rPr lang="uk-UA" b="1" dirty="0">
                 <a:latin typeface="+mn-lt"/>
               </a:rPr>
               <a:t>Предмет: </a:t>
@@ -9829,7 +10287,7 @@
               <a:buNone/>
             </a:pPr>
             <a:r>
-              <a:rPr lang="uk" sz="3200" dirty="0" smtClean="0"/>
+              <a:rPr lang="uk" sz="3200" dirty="0"/>
               <a:t>Вибір технологій розробки </a:t>
             </a:r>
             <a:endParaRPr sz="3200" dirty="0"/>
@@ -9902,7 +10360,7 @@
       </p:sp>
       <p:pic>
         <p:nvPicPr>
-          <p:cNvPr id="5" name="Рисунок 4"/>
+          <p:cNvPr id="6" name="Рисунок 5"/>
           <p:cNvPicPr>
             <a:picLocks noChangeAspect="1"/>
           </p:cNvPicPr>
@@ -9922,8 +10380,8 @@
         </p:blipFill>
         <p:spPr>
           <a:xfrm>
-            <a:off x="207965" y="777819"/>
-            <a:ext cx="4758367" cy="2676582"/>
+            <a:off x="162246" y="2118635"/>
+            <a:ext cx="3068292" cy="1702186"/>
           </a:xfrm>
           <a:prstGeom prst="rect">
             <a:avLst/>
@@ -9932,7 +10390,7 @@
       </p:pic>
       <p:pic>
         <p:nvPicPr>
-          <p:cNvPr id="6" name="Рисунок 5"/>
+          <p:cNvPr id="8" name="Рисунок 7"/>
           <p:cNvPicPr>
             <a:picLocks noChangeAspect="1"/>
           </p:cNvPicPr>
@@ -9952,8 +10410,8 @@
         </p:blipFill>
         <p:spPr>
           <a:xfrm>
-            <a:off x="5350719" y="937940"/>
-            <a:ext cx="3569547" cy="1980266"/>
+            <a:off x="5527397" y="1221670"/>
+            <a:ext cx="3304903" cy="756513"/>
           </a:xfrm>
           <a:prstGeom prst="rect">
             <a:avLst/>
@@ -9962,7 +10420,13 @@
       </p:pic>
       <p:pic>
         <p:nvPicPr>
-          <p:cNvPr id="8" name="Рисунок 7"/>
+          <p:cNvPr id="3" name="Рисунок 2">
+            <a:extLst>
+              <a:ext uri="{FF2B5EF4-FFF2-40B4-BE49-F238E27FC236}">
+                <a16:creationId xmlns:a16="http://schemas.microsoft.com/office/drawing/2014/main" id="{1D7A624C-DC8D-8B50-E35E-644FD2B83B52}"/>
+              </a:ext>
+            </a:extLst>
+          </p:cNvPr>
           <p:cNvPicPr>
             <a:picLocks noChangeAspect="1"/>
           </p:cNvPicPr>
@@ -9982,8 +10446,74 @@
         </p:blipFill>
         <p:spPr>
           <a:xfrm>
-            <a:off x="4896993" y="3549229"/>
-            <a:ext cx="3935307" cy="900816"/>
+            <a:off x="6560550" y="2427481"/>
+            <a:ext cx="2271750" cy="1393340"/>
+          </a:xfrm>
+          <a:prstGeom prst="rect">
+            <a:avLst/>
+          </a:prstGeom>
+        </p:spPr>
+      </p:pic>
+      <p:pic>
+        <p:nvPicPr>
+          <p:cNvPr id="4" name="Рисунок 5">
+            <a:extLst>
+              <a:ext uri="{FF2B5EF4-FFF2-40B4-BE49-F238E27FC236}">
+                <a16:creationId xmlns:a16="http://schemas.microsoft.com/office/drawing/2014/main" id="{DBA0C110-FFE9-6654-DE21-ED49B48C6D84}"/>
+              </a:ext>
+            </a:extLst>
+          </p:cNvPr>
+          <p:cNvPicPr>
+            <a:picLocks noChangeAspect="1"/>
+          </p:cNvPicPr>
+          <p:nvPr/>
+        </p:nvPicPr>
+        <p:blipFill>
+          <a:blip r:embed="rId7">
+            <a:extLst>
+              <a:ext uri="{28A0092B-C50C-407E-A947-70E740481C1C}">
+                <a14:useLocalDpi xmlns:a14="http://schemas.microsoft.com/office/drawing/2010/main" val="0"/>
+              </a:ext>
+            </a:extLst>
+          </a:blip>
+          <a:stretch>
+            <a:fillRect/>
+          </a:stretch>
+        </p:blipFill>
+        <p:spPr>
+          <a:xfrm>
+            <a:off x="3751398" y="2118635"/>
+            <a:ext cx="1911635" cy="1702186"/>
+          </a:xfrm>
+          <a:prstGeom prst="rect">
+            <a:avLst/>
+          </a:prstGeom>
+        </p:spPr>
+      </p:pic>
+      <p:pic>
+        <p:nvPicPr>
+          <p:cNvPr id="5" name="Рисунок 4"/>
+          <p:cNvPicPr>
+            <a:picLocks noChangeAspect="1"/>
+          </p:cNvPicPr>
+          <p:nvPr/>
+        </p:nvPicPr>
+        <p:blipFill>
+          <a:blip r:embed="rId8">
+            <a:extLst>
+              <a:ext uri="{28A0092B-C50C-407E-A947-70E740481C1C}">
+                <a14:useLocalDpi xmlns:a14="http://schemas.microsoft.com/office/drawing/2010/main" val="0"/>
+              </a:ext>
+            </a:extLst>
+          </a:blip>
+          <a:stretch>
+            <a:fillRect/>
+          </a:stretch>
+        </p:blipFill>
+        <p:spPr>
+          <a:xfrm>
+            <a:off x="162246" y="1221670"/>
+            <a:ext cx="3189210" cy="1793931"/>
           </a:xfrm>
           <a:prstGeom prst="rect">
             <a:avLst/>
@@ -10050,11 +10580,11 @@
               <a:buNone/>
             </a:pPr>
             <a:r>
-              <a:rPr lang="en-US" sz="3200" smtClean="0"/>
+              <a:rPr lang="en-US" sz="3200"/>
               <a:t>UML </a:t>
             </a:r>
             <a:r>
-              <a:rPr lang="uk-UA" sz="3200" smtClean="0"/>
+              <a:rPr lang="uk-UA" sz="3200"/>
               <a:t>Проектування</a:t>
             </a:r>
             <a:endParaRPr sz="3200" dirty="0"/>
@@ -10139,8 +10669,8 @@
         </p:blipFill>
         <p:spPr>
           <a:xfrm>
-            <a:off x="3655979" y="500993"/>
-            <a:ext cx="3856573" cy="2145969"/>
+            <a:off x="771845" y="768782"/>
+            <a:ext cx="7412035" cy="3450521"/>
           </a:xfrm>
           <a:prstGeom prst="rect">
             <a:avLst/>
@@ -10160,7 +10690,7 @@
         </p:nvSpPr>
         <p:spPr>
           <a:xfrm>
-            <a:off x="4927234" y="193216"/>
+            <a:off x="3604972" y="4205611"/>
             <a:ext cx="1934055" cy="307777"/>
           </a:xfrm>
           <a:prstGeom prst="rect">
@@ -10177,116 +10707,6 @@
             <a:r>
               <a:rPr lang="uk-UA" dirty="0"/>
               <a:t>Діаграма навігації </a:t>
-            </a:r>
-          </a:p>
-        </p:txBody>
-      </p:sp>
-      <p:pic>
-        <p:nvPicPr>
-          <p:cNvPr id="9" name="Рисунок 8"/>
-          <p:cNvPicPr/>
-          <p:nvPr/>
-        </p:nvPicPr>
-        <p:blipFill>
-          <a:blip r:embed="rId5"/>
-          <a:stretch>
-            <a:fillRect/>
-          </a:stretch>
-        </p:blipFill>
-        <p:spPr>
-          <a:xfrm>
-            <a:off x="328131" y="1295714"/>
-            <a:ext cx="3074341" cy="2576437"/>
-          </a:xfrm>
-          <a:prstGeom prst="rect">
-            <a:avLst/>
-          </a:prstGeom>
-          <a:ln>
-            <a:solidFill>
-              <a:schemeClr val="tx1"/>
-            </a:solidFill>
-          </a:ln>
-        </p:spPr>
-      </p:pic>
-      <p:sp>
-        <p:nvSpPr>
-          <p:cNvPr id="5" name="Прямоугольник 4"/>
-          <p:cNvSpPr/>
-          <p:nvPr/>
-        </p:nvSpPr>
-        <p:spPr>
-          <a:xfrm>
-            <a:off x="1518886" y="3872151"/>
-            <a:ext cx="1540806" cy="307777"/>
-          </a:xfrm>
-          <a:prstGeom prst="rect">
-            <a:avLst/>
-          </a:prstGeom>
-        </p:spPr>
-        <p:txBody>
-          <a:bodyPr wrap="none">
-            <a:spAutoFit/>
-          </a:bodyPr>
-          <a:lstStyle/>
-          <a:p>
-            <a:r>
-              <a:rPr lang="uk-UA" dirty="0"/>
-              <a:t>Діаграма класів </a:t>
-            </a:r>
-          </a:p>
-        </p:txBody>
-      </p:sp>
-      <p:pic>
-        <p:nvPicPr>
-          <p:cNvPr id="12" name="Рисунок 11"/>
-          <p:cNvPicPr/>
-          <p:nvPr/>
-        </p:nvPicPr>
-        <p:blipFill>
-          <a:blip r:embed="rId6"/>
-          <a:stretch>
-            <a:fillRect/>
-          </a:stretch>
-        </p:blipFill>
-        <p:spPr>
-          <a:xfrm>
-            <a:off x="4744184" y="2722140"/>
-            <a:ext cx="3919592" cy="2075007"/>
-          </a:xfrm>
-          <a:prstGeom prst="rect">
-            <a:avLst/>
-          </a:prstGeom>
-          <a:ln>
-            <a:solidFill>
-              <a:schemeClr val="tx1"/>
-            </a:solidFill>
-          </a:ln>
-        </p:spPr>
-      </p:pic>
-      <p:sp>
-        <p:nvSpPr>
-          <p:cNvPr id="11" name="Прямоугольник 10"/>
-          <p:cNvSpPr/>
-          <p:nvPr/>
-        </p:nvSpPr>
-        <p:spPr>
-          <a:xfrm>
-            <a:off x="2960815" y="4496486"/>
-            <a:ext cx="1882247" cy="307777"/>
-          </a:xfrm>
-          <a:prstGeom prst="rect">
-            <a:avLst/>
-          </a:prstGeom>
-        </p:spPr>
-        <p:txBody>
-          <a:bodyPr wrap="none">
-            <a:spAutoFit/>
-          </a:bodyPr>
-          <a:lstStyle/>
-          <a:p>
-            <a:r>
-              <a:rPr lang="uk-UA" dirty="0"/>
-              <a:t>Діаграма діяльності </a:t>
             </a:r>
           </a:p>
         </p:txBody>
@@ -10304,7 +10724,13 @@
   <p:cSld>
     <p:spTree>
       <p:nvGrpSpPr>
-        <p:cNvPr id="1" name="Shape 105"/>
+        <p:cNvPr id="1" name="Shape 98">
+          <a:extLst>
+            <a:ext uri="{FF2B5EF4-FFF2-40B4-BE49-F238E27FC236}">
+              <a16:creationId xmlns:a16="http://schemas.microsoft.com/office/drawing/2014/main" id="{2ADBB8E7-EB9D-33D1-293B-FDAB0BD3732C}"/>
+            </a:ext>
+          </a:extLst>
+        </p:cNvPr>
         <p:cNvGrpSpPr/>
         <p:nvPr/>
       </p:nvGrpSpPr>
@@ -10318,7 +10744,13 @@
       </p:grpSpPr>
       <p:sp>
         <p:nvSpPr>
-          <p:cNvPr id="106" name="Google Shape;106;p19"/>
+          <p:cNvPr id="99" name="Google Shape;99;p18">
+            <a:extLst>
+              <a:ext uri="{FF2B5EF4-FFF2-40B4-BE49-F238E27FC236}">
+                <a16:creationId xmlns:a16="http://schemas.microsoft.com/office/drawing/2014/main" id="{8416DB31-6319-5068-EB70-977D12AA9370}"/>
+              </a:ext>
+            </a:extLst>
+          </p:cNvPr>
           <p:cNvSpPr txBox="1">
             <a:spLocks noGrp="1"/>
           </p:cNvSpPr>
@@ -10328,7 +10760,7 @@
         </p:nvSpPr>
         <p:spPr>
           <a:xfrm>
-            <a:off x="311700" y="312400"/>
+            <a:off x="268925" y="-143723"/>
             <a:ext cx="8520600" cy="831300"/>
           </a:xfrm>
           <a:prstGeom prst="rect">
@@ -10351,8 +10783,12 @@
               <a:buNone/>
             </a:pPr>
             <a:r>
-              <a:rPr lang="uk" sz="3200" dirty="0"/>
-              <a:t>Опис програмного забезпечення, що було використано у дослідженні</a:t>
+              <a:rPr lang="en-US" sz="3200"/>
+              <a:t>UML </a:t>
+            </a:r>
+            <a:r>
+              <a:rPr lang="uk-UA" sz="3200"/>
+              <a:t>Проектування</a:t>
             </a:r>
             <a:endParaRPr sz="3200" dirty="0"/>
           </a:p>
@@ -10360,7 +10796,13 @@
       </p:sp>
       <p:pic>
         <p:nvPicPr>
-          <p:cNvPr id="108" name="Google Shape;108;p19"/>
+          <p:cNvPr id="101" name="Google Shape;101;p18">
+            <a:extLst>
+              <a:ext uri="{FF2B5EF4-FFF2-40B4-BE49-F238E27FC236}">
+                <a16:creationId xmlns:a16="http://schemas.microsoft.com/office/drawing/2014/main" id="{441F7496-8E7B-DE83-1949-A530B779CCED}"/>
+              </a:ext>
+            </a:extLst>
+          </p:cNvPr>
           <p:cNvPicPr preferRelativeResize="0"/>
           <p:nvPr/>
         </p:nvPicPr>
@@ -10391,7 +10833,7 @@
           <p:cNvPr id="2" name="TextBox 1">
             <a:extLst>
               <a:ext uri="{FF2B5EF4-FFF2-40B4-BE49-F238E27FC236}">
-                <a16:creationId xmlns:a16="http://schemas.microsoft.com/office/drawing/2014/main" id="{1226AFC1-F793-030A-440F-FC50C3AEF715}"/>
+                <a16:creationId xmlns:a16="http://schemas.microsoft.com/office/drawing/2014/main" id="{2495A1BA-8B66-567D-AC4A-343633694EF0}"/>
               </a:ext>
             </a:extLst>
           </p:cNvPr>
@@ -10422,127 +10864,79 @@
           </a:p>
         </p:txBody>
       </p:sp>
-      <p:sp>
-        <p:nvSpPr>
-          <p:cNvPr id="31" name="TextBox 30"/>
-          <p:cNvSpPr txBox="1"/>
-          <p:nvPr/>
-        </p:nvSpPr>
-        <p:spPr>
-          <a:xfrm>
-            <a:off x="971155" y="1318260"/>
-            <a:ext cx="1069524" cy="400110"/>
-          </a:xfrm>
-          <a:prstGeom prst="rect">
-            <a:avLst/>
-          </a:prstGeom>
-          <a:noFill/>
-        </p:spPr>
-        <p:txBody>
-          <a:bodyPr wrap="none" rtlCol="0">
-            <a:spAutoFit/>
-          </a:bodyPr>
-          <a:lstStyle/>
-          <a:p>
-            <a:r>
-              <a:rPr lang="en-US" sz="2000" b="1" dirty="0"/>
-              <a:t>FRONT</a:t>
-            </a:r>
-            <a:endParaRPr lang="uk-UA" b="1" dirty="0"/>
-          </a:p>
-        </p:txBody>
-      </p:sp>
       <p:pic>
         <p:nvPicPr>
-          <p:cNvPr id="3" name="Рисунок 2"/>
-          <p:cNvPicPr>
-            <a:picLocks noChangeAspect="1"/>
-          </p:cNvPicPr>
+          <p:cNvPr id="12" name="Рисунок 11">
+            <a:extLst>
+              <a:ext uri="{FF2B5EF4-FFF2-40B4-BE49-F238E27FC236}">
+                <a16:creationId xmlns:a16="http://schemas.microsoft.com/office/drawing/2014/main" id="{7DE96C6A-C8D4-4862-6199-DD6F362D1766}"/>
+              </a:ext>
+            </a:extLst>
+          </p:cNvPr>
+          <p:cNvPicPr/>
           <p:nvPr/>
         </p:nvPicPr>
         <p:blipFill>
-          <a:blip r:embed="rId4">
-            <a:extLst>
-              <a:ext uri="{28A0092B-C50C-407E-A947-70E740481C1C}">
-                <a14:useLocalDpi xmlns:a14="http://schemas.microsoft.com/office/drawing/2010/main" val="0"/>
-              </a:ext>
-            </a:extLst>
-          </a:blip>
+          <a:blip r:embed="rId4"/>
           <a:stretch>
             <a:fillRect/>
           </a:stretch>
         </p:blipFill>
         <p:spPr>
           <a:xfrm>
-            <a:off x="700050" y="1390787"/>
-            <a:ext cx="4110386" cy="2521037"/>
+            <a:off x="702128" y="687577"/>
+            <a:ext cx="7739743" cy="3570914"/>
           </a:xfrm>
           <a:prstGeom prst="rect">
             <a:avLst/>
           </a:prstGeom>
+          <a:ln>
+            <a:solidFill>
+              <a:schemeClr val="tx1"/>
+            </a:solidFill>
+          </a:ln>
         </p:spPr>
       </p:pic>
-      <p:pic>
-        <p:nvPicPr>
-          <p:cNvPr id="4" name="Рисунок 3"/>
-          <p:cNvPicPr>
-            <a:picLocks noChangeAspect="1"/>
-          </p:cNvPicPr>
-          <p:nvPr/>
-        </p:nvPicPr>
-        <p:blipFill>
-          <a:blip r:embed="rId5">
+      <p:sp>
+        <p:nvSpPr>
+          <p:cNvPr id="11" name="Прямоугольник 10">
             <a:extLst>
-              <a:ext uri="{28A0092B-C50C-407E-A947-70E740481C1C}">
-                <a14:useLocalDpi xmlns:a14="http://schemas.microsoft.com/office/drawing/2010/main" val="0"/>
+              <a:ext uri="{FF2B5EF4-FFF2-40B4-BE49-F238E27FC236}">
+                <a16:creationId xmlns:a16="http://schemas.microsoft.com/office/drawing/2014/main" id="{69930599-564F-E3FD-00BE-EDE7F817C54F}"/>
               </a:ext>
             </a:extLst>
-          </a:blip>
-          <a:stretch>
-            <a:fillRect/>
-          </a:stretch>
-        </p:blipFill>
-        <p:spPr>
-          <a:xfrm>
-            <a:off x="5369193" y="893189"/>
-            <a:ext cx="2739011" cy="1650361"/>
+          </p:cNvPr>
+          <p:cNvSpPr/>
+          <p:nvPr/>
+        </p:nvSpPr>
+        <p:spPr>
+          <a:xfrm>
+            <a:off x="3630875" y="4298572"/>
+            <a:ext cx="1882247" cy="307777"/>
           </a:xfrm>
           <a:prstGeom prst="rect">
             <a:avLst/>
           </a:prstGeom>
         </p:spPr>
-      </p:pic>
-      <p:pic>
-        <p:nvPicPr>
-          <p:cNvPr id="6" name="Рисунок 5"/>
-          <p:cNvPicPr>
-            <a:picLocks noChangeAspect="1"/>
-          </p:cNvPicPr>
-          <p:nvPr/>
-        </p:nvPicPr>
-        <p:blipFill>
-          <a:blip r:embed="rId6">
-            <a:extLst>
-              <a:ext uri="{28A0092B-C50C-407E-A947-70E740481C1C}">
-                <a14:useLocalDpi xmlns:a14="http://schemas.microsoft.com/office/drawing/2010/main" val="0"/>
-              </a:ext>
-            </a:extLst>
-          </a:blip>
-          <a:stretch>
-            <a:fillRect/>
-          </a:stretch>
-        </p:blipFill>
-        <p:spPr>
-          <a:xfrm>
-            <a:off x="5766251" y="2440593"/>
-            <a:ext cx="2718791" cy="2420906"/>
-          </a:xfrm>
-          <a:prstGeom prst="rect">
-            <a:avLst/>
-          </a:prstGeom>
-        </p:spPr>
-      </p:pic>
+        <p:txBody>
+          <a:bodyPr wrap="none">
+            <a:spAutoFit/>
+          </a:bodyPr>
+          <a:lstStyle/>
+          <a:p>
+            <a:r>
+              <a:rPr lang="uk-UA" dirty="0"/>
+              <a:t>Діаграма діяльності </a:t>
+            </a:r>
+          </a:p>
+        </p:txBody>
+      </p:sp>
     </p:spTree>
+    <p:extLst>
+      <p:ext uri="{BB962C8B-B14F-4D97-AF65-F5344CB8AC3E}">
+        <p14:creationId xmlns:p14="http://schemas.microsoft.com/office/powerpoint/2010/main" val="3239381734"/>
+      </p:ext>
+    </p:extLst>
   </p:cSld>
   <p:clrMapOvr>
     <a:masterClrMapping/>
@@ -10551,6 +10945,231 @@
 </file>
 
 <file path=ppt/slides/slide8.xml><?xml version="1.0" encoding="utf-8"?>
+<p:sld xmlns:a="http://schemas.openxmlformats.org/drawingml/2006/main" xmlns:r="http://schemas.openxmlformats.org/officeDocument/2006/relationships" xmlns:p="http://schemas.openxmlformats.org/presentationml/2006/main">
+  <p:cSld>
+    <p:spTree>
+      <p:nvGrpSpPr>
+        <p:cNvPr id="1" name="Shape 98">
+          <a:extLst>
+            <a:ext uri="{FF2B5EF4-FFF2-40B4-BE49-F238E27FC236}">
+              <a16:creationId xmlns:a16="http://schemas.microsoft.com/office/drawing/2014/main" id="{8623EF3A-C9FE-827F-336C-BD5B45C80142}"/>
+            </a:ext>
+          </a:extLst>
+        </p:cNvPr>
+        <p:cNvGrpSpPr/>
+        <p:nvPr/>
+      </p:nvGrpSpPr>
+      <p:grpSpPr>
+        <a:xfrm>
+          <a:off x="0" y="0"/>
+          <a:ext cx="0" cy="0"/>
+          <a:chOff x="0" y="0"/>
+          <a:chExt cx="0" cy="0"/>
+        </a:xfrm>
+      </p:grpSpPr>
+      <p:sp>
+        <p:nvSpPr>
+          <p:cNvPr id="99" name="Google Shape;99;p18">
+            <a:extLst>
+              <a:ext uri="{FF2B5EF4-FFF2-40B4-BE49-F238E27FC236}">
+                <a16:creationId xmlns:a16="http://schemas.microsoft.com/office/drawing/2014/main" id="{656264EF-CE1A-3FFF-D436-234C759E46C8}"/>
+              </a:ext>
+            </a:extLst>
+          </p:cNvPr>
+          <p:cNvSpPr txBox="1">
+            <a:spLocks noGrp="1"/>
+          </p:cNvSpPr>
+          <p:nvPr>
+            <p:ph type="title"/>
+          </p:nvPr>
+        </p:nvSpPr>
+        <p:spPr>
+          <a:xfrm>
+            <a:off x="268925" y="-143723"/>
+            <a:ext cx="8520600" cy="831300"/>
+          </a:xfrm>
+          <a:prstGeom prst="rect">
+            <a:avLst/>
+          </a:prstGeom>
+        </p:spPr>
+        <p:txBody>
+          <a:bodyPr spcFirstLastPara="1" wrap="square" lIns="91425" tIns="91425" rIns="91425" bIns="91425" anchor="b" anchorCtr="0">
+            <a:noAutofit/>
+          </a:bodyPr>
+          <a:lstStyle/>
+          <a:p>
+            <a:pPr marL="0" lvl="0" indent="0" algn="l" rtl="0">
+              <a:spcBef>
+                <a:spcPts val="0"/>
+              </a:spcBef>
+              <a:spcAft>
+                <a:spcPts val="0"/>
+              </a:spcAft>
+              <a:buNone/>
+            </a:pPr>
+            <a:r>
+              <a:rPr lang="en-US" sz="3200"/>
+              <a:t>UML </a:t>
+            </a:r>
+            <a:r>
+              <a:rPr lang="uk-UA" sz="3200"/>
+              <a:t>Проектування</a:t>
+            </a:r>
+            <a:endParaRPr sz="3200" dirty="0"/>
+          </a:p>
+        </p:txBody>
+      </p:sp>
+      <p:pic>
+        <p:nvPicPr>
+          <p:cNvPr id="101" name="Google Shape;101;p18">
+            <a:extLst>
+              <a:ext uri="{FF2B5EF4-FFF2-40B4-BE49-F238E27FC236}">
+                <a16:creationId xmlns:a16="http://schemas.microsoft.com/office/drawing/2014/main" id="{6963C83D-A53D-8E2F-5BB1-4EAA3C33CE61}"/>
+              </a:ext>
+            </a:extLst>
+          </p:cNvPr>
+          <p:cNvPicPr preferRelativeResize="0"/>
+          <p:nvPr/>
+        </p:nvPicPr>
+        <p:blipFill>
+          <a:blip r:embed="rId3">
+            <a:alphaModFix/>
+          </a:blip>
+          <a:stretch>
+            <a:fillRect/>
+          </a:stretch>
+        </p:blipFill>
+        <p:spPr>
+          <a:xfrm>
+            <a:off x="268925" y="4359500"/>
+            <a:ext cx="862250" cy="581750"/>
+          </a:xfrm>
+          <a:prstGeom prst="rect">
+            <a:avLst/>
+          </a:prstGeom>
+          <a:noFill/>
+          <a:ln>
+            <a:noFill/>
+          </a:ln>
+        </p:spPr>
+      </p:pic>
+      <p:sp>
+        <p:nvSpPr>
+          <p:cNvPr id="2" name="TextBox 1">
+            <a:extLst>
+              <a:ext uri="{FF2B5EF4-FFF2-40B4-BE49-F238E27FC236}">
+                <a16:creationId xmlns:a16="http://schemas.microsoft.com/office/drawing/2014/main" id="{A0C25414-AAE1-E83B-A220-953E3E3510BF}"/>
+              </a:ext>
+            </a:extLst>
+          </p:cNvPr>
+          <p:cNvSpPr txBox="1"/>
+          <p:nvPr/>
+        </p:nvSpPr>
+        <p:spPr>
+          <a:xfrm>
+            <a:off x="8778240" y="4606349"/>
+            <a:ext cx="284052" cy="307777"/>
+          </a:xfrm>
+          <a:prstGeom prst="rect">
+            <a:avLst/>
+          </a:prstGeom>
+          <a:noFill/>
+        </p:spPr>
+        <p:txBody>
+          <a:bodyPr wrap="none" rtlCol="0">
+            <a:spAutoFit/>
+          </a:bodyPr>
+          <a:lstStyle/>
+          <a:p>
+            <a:fld id="{A35EEF41-5B9E-4186-8855-3C8162DCC2D6}" type="slidenum">
+              <a:rPr lang="uk-UA" smtClean="0"/>
+              <a:t>8</a:t>
+            </a:fld>
+            <a:endParaRPr lang="uk-UA" dirty="0"/>
+          </a:p>
+        </p:txBody>
+      </p:sp>
+      <p:pic>
+        <p:nvPicPr>
+          <p:cNvPr id="9" name="Рисунок 8">
+            <a:extLst>
+              <a:ext uri="{FF2B5EF4-FFF2-40B4-BE49-F238E27FC236}">
+                <a16:creationId xmlns:a16="http://schemas.microsoft.com/office/drawing/2014/main" id="{47D88410-E454-C0DE-FD31-BD8D7193145F}"/>
+              </a:ext>
+            </a:extLst>
+          </p:cNvPr>
+          <p:cNvPicPr/>
+          <p:nvPr/>
+        </p:nvPicPr>
+        <p:blipFill>
+          <a:blip r:embed="rId4"/>
+          <a:stretch>
+            <a:fillRect/>
+          </a:stretch>
+        </p:blipFill>
+        <p:spPr>
+          <a:xfrm>
+            <a:off x="1574074" y="687577"/>
+            <a:ext cx="5408022" cy="3466412"/>
+          </a:xfrm>
+          <a:prstGeom prst="rect">
+            <a:avLst/>
+          </a:prstGeom>
+          <a:ln>
+            <a:solidFill>
+              <a:schemeClr val="tx1"/>
+            </a:solidFill>
+          </a:ln>
+        </p:spPr>
+      </p:pic>
+      <p:sp>
+        <p:nvSpPr>
+          <p:cNvPr id="5" name="Прямоугольник 4">
+            <a:extLst>
+              <a:ext uri="{FF2B5EF4-FFF2-40B4-BE49-F238E27FC236}">
+                <a16:creationId xmlns:a16="http://schemas.microsoft.com/office/drawing/2014/main" id="{3B4FB3D1-79A5-1B74-2764-1C36F564015D}"/>
+              </a:ext>
+            </a:extLst>
+          </p:cNvPr>
+          <p:cNvSpPr/>
+          <p:nvPr/>
+        </p:nvSpPr>
+        <p:spPr>
+          <a:xfrm>
+            <a:off x="3507682" y="4205611"/>
+            <a:ext cx="1540806" cy="307777"/>
+          </a:xfrm>
+          <a:prstGeom prst="rect">
+            <a:avLst/>
+          </a:prstGeom>
+        </p:spPr>
+        <p:txBody>
+          <a:bodyPr wrap="none">
+            <a:spAutoFit/>
+          </a:bodyPr>
+          <a:lstStyle/>
+          <a:p>
+            <a:r>
+              <a:rPr lang="uk-UA" dirty="0"/>
+              <a:t>Діаграма класів </a:t>
+            </a:r>
+          </a:p>
+        </p:txBody>
+      </p:sp>
+    </p:spTree>
+    <p:extLst>
+      <p:ext uri="{BB962C8B-B14F-4D97-AF65-F5344CB8AC3E}">
+        <p14:creationId xmlns:p14="http://schemas.microsoft.com/office/powerpoint/2010/main" val="3202722075"/>
+      </p:ext>
+    </p:extLst>
+  </p:cSld>
+  <p:clrMapOvr>
+    <a:masterClrMapping/>
+  </p:clrMapOvr>
+</p:sld>
+</file>
+
+<file path=ppt/slides/slide9.xml><?xml version="1.0" encoding="utf-8"?>
 <p:sld xmlns:a="http://schemas.openxmlformats.org/drawingml/2006/main" xmlns:r="http://schemas.openxmlformats.org/officeDocument/2006/relationships" xmlns:p="http://schemas.openxmlformats.org/presentationml/2006/main">
   <p:cSld>
     <p:spTree>
@@ -10602,7 +11221,7 @@
               <a:buNone/>
             </a:pPr>
             <a:r>
-              <a:rPr lang="uk" sz="3200" dirty="0" smtClean="0"/>
+              <a:rPr lang="uk" sz="3200" dirty="0"/>
               <a:t>Дизайн системи</a:t>
             </a:r>
             <a:endParaRPr sz="3200" dirty="0"/>
@@ -10667,7 +11286,7 @@
           <a:p>
             <a:fld id="{A35EEF41-5B9E-4186-8855-3C8162DCC2D6}" type="slidenum">
               <a:rPr lang="uk-UA" smtClean="0"/>
-              <a:t>8</a:t>
+              <a:t>9</a:t>
             </a:fld>
             <a:endParaRPr lang="uk-UA" dirty="0"/>
           </a:p>
@@ -10687,8 +11306,8 @@
         </p:blipFill>
         <p:spPr>
           <a:xfrm>
-            <a:off x="626094" y="739263"/>
-            <a:ext cx="5057660" cy="2668357"/>
+            <a:off x="311699" y="739262"/>
+            <a:ext cx="5564567" cy="3474150"/>
           </a:xfrm>
           <a:prstGeom prst="rect">
             <a:avLst/>
@@ -10725,370 +11344,119 @@
               <a:buNone/>
             </a:pPr>
             <a:r>
-              <a:rPr lang="uk-UA" sz="1200" b="1" dirty="0"/>
+              <a:rPr lang="uk-UA" sz="1200" dirty="0"/>
               <a:t>Інтерфейс реалізовано як набір повторно-</a:t>
             </a:r>
             <a:r>
-              <a:rPr lang="uk-UA" sz="1200" b="1" dirty="0" err="1"/>
+              <a:rPr lang="uk-UA" sz="1200" dirty="0" err="1"/>
               <a:t>використовних</a:t>
             </a:r>
             <a:r>
-              <a:rPr lang="uk-UA" sz="1200" b="1" dirty="0"/>
+              <a:rPr lang="uk-UA" sz="1200" dirty="0"/>
               <a:t> компонентів (</a:t>
             </a:r>
             <a:r>
-              <a:rPr lang="en-US" sz="1200" b="1" dirty="0"/>
+              <a:rPr lang="en-US" sz="1200" dirty="0"/>
               <a:t>Header, </a:t>
             </a:r>
             <a:r>
-              <a:rPr lang="en-US" sz="1200" b="1" dirty="0" err="1"/>
+              <a:rPr lang="en-US" sz="1200" dirty="0" err="1"/>
               <a:t>BannerCarousel</a:t>
             </a:r>
             <a:r>
-              <a:rPr lang="en-US" sz="1200" b="1" dirty="0"/>
+              <a:rPr lang="en-US" sz="1200" dirty="0"/>
               <a:t>, </a:t>
             </a:r>
             <a:r>
-              <a:rPr lang="en-US" sz="1200" b="1" dirty="0" err="1"/>
+              <a:rPr lang="en-US" sz="1200" dirty="0" err="1"/>
               <a:t>FilterSidebar</a:t>
             </a:r>
             <a:r>
-              <a:rPr lang="en-US" sz="1200" b="1" dirty="0"/>
+              <a:rPr lang="en-US" sz="1200" dirty="0"/>
               <a:t>, </a:t>
             </a:r>
             <a:r>
-              <a:rPr lang="en-US" sz="1200" b="1" dirty="0" err="1"/>
+              <a:rPr lang="en-US" sz="1200" dirty="0" err="1"/>
               <a:t>SearchBar</a:t>
             </a:r>
             <a:r>
-              <a:rPr lang="en-US" sz="1200" b="1" dirty="0"/>
+              <a:rPr lang="en-US" sz="1200" dirty="0"/>
               <a:t>, </a:t>
             </a:r>
             <a:r>
-              <a:rPr lang="en-US" sz="1200" b="1" dirty="0" err="1"/>
+              <a:rPr lang="en-US" sz="1200" dirty="0" err="1"/>
               <a:t>InitiativeGrid</a:t>
             </a:r>
             <a:r>
-              <a:rPr lang="en-US" sz="1200" b="1" dirty="0"/>
+              <a:rPr lang="en-US" sz="1200" dirty="0"/>
               <a:t>, Footer) </a:t>
             </a:r>
             <a:r>
-              <a:rPr lang="uk-UA" sz="1200" b="1" dirty="0"/>
-              <a:t>із централізованим станом для пошуку й фільтрації </a:t>
-            </a:r>
-            <a:r>
-              <a:rPr lang="uk-UA" sz="1200" b="1" dirty="0" err="1"/>
-              <a:t>даних.Дані</a:t>
-            </a:r>
-            <a:r>
-              <a:rPr lang="uk-UA" sz="1200" b="1" dirty="0"/>
-              <a:t> ініціатив </a:t>
-            </a:r>
-            <a:r>
-              <a:rPr lang="uk-UA" sz="1200" b="1" dirty="0" err="1"/>
+              <a:rPr lang="uk-UA" sz="1200" dirty="0"/>
+              <a:t>із централізованим станом для пошуку й фільтрації даних.</a:t>
+            </a:r>
+          </a:p>
+          <a:p>
+            <a:pPr marL="114300" indent="0">
+              <a:buNone/>
+            </a:pPr>
+            <a:endParaRPr lang="uk-UA" sz="1200" dirty="0"/>
+          </a:p>
+          <a:p>
+            <a:pPr marL="114300" indent="0">
+              <a:buNone/>
+            </a:pPr>
+            <a:r>
+              <a:rPr lang="uk-UA" sz="1200" dirty="0"/>
+              <a:t>Дані ініціатив </a:t>
+            </a:r>
+            <a:r>
+              <a:rPr lang="uk-UA" sz="1200" dirty="0" err="1"/>
               <a:t>підвантажуються</a:t>
             </a:r>
             <a:r>
-              <a:rPr lang="uk-UA" sz="1200" b="1" dirty="0"/>
+              <a:rPr lang="uk-UA" sz="1200" dirty="0"/>
               <a:t> з </a:t>
             </a:r>
             <a:r>
-              <a:rPr lang="en-US" sz="1200" b="1" dirty="0"/>
+              <a:rPr lang="en-US" sz="1200" dirty="0"/>
               <a:t>API </a:t>
             </a:r>
             <a:r>
-              <a:rPr lang="uk-UA" sz="1200" b="1" dirty="0"/>
+              <a:rPr lang="uk-UA" sz="1200" dirty="0"/>
               <a:t>і зберігаються в локальному стані; зміна </a:t>
             </a:r>
             <a:r>
-              <a:rPr lang="uk-UA" sz="1200" b="1" dirty="0" err="1"/>
+              <a:rPr lang="uk-UA" sz="1200" dirty="0" err="1"/>
               <a:t>чекбоксів</a:t>
             </a:r>
             <a:r>
-              <a:rPr lang="uk-UA" sz="1200" b="1" dirty="0"/>
-              <a:t> і селектора впливає на відображення карток у реальному </a:t>
-            </a:r>
-            <a:r>
-              <a:rPr lang="uk-UA" sz="1200" b="1" dirty="0" err="1"/>
-              <a:t>часі.Верстка</a:t>
-            </a:r>
-            <a:r>
-              <a:rPr lang="uk-UA" sz="1200" b="1" dirty="0"/>
-              <a:t> побудована на </a:t>
-            </a:r>
-            <a:r>
-              <a:rPr lang="en-US" sz="1200" b="1" dirty="0"/>
+              <a:rPr lang="uk-UA" sz="1200" dirty="0"/>
+              <a:t> і селектора впливає на відображення карток у реальному часі.</a:t>
+            </a:r>
+          </a:p>
+          <a:p>
+            <a:pPr marL="114300" indent="0">
+              <a:buNone/>
+            </a:pPr>
+            <a:endParaRPr lang="uk-UA" sz="1200" dirty="0"/>
+          </a:p>
+          <a:p>
+            <a:pPr marL="114300" indent="0">
+              <a:buNone/>
+            </a:pPr>
+            <a:r>
+              <a:rPr lang="uk-UA" sz="1200" dirty="0"/>
+              <a:t>Верстка побудована на </a:t>
+            </a:r>
+            <a:r>
+              <a:rPr lang="en-US" sz="1200" dirty="0"/>
               <a:t>CSS Grid/Flexbox </a:t>
             </a:r>
             <a:r>
-              <a:rPr lang="uk-UA" sz="1200" b="1" dirty="0"/>
-              <a:t>для адаптивності, </a:t>
-            </a:r>
-            <a:r>
-              <a:rPr lang="uk-UA" sz="1200" b="1" dirty="0" err="1"/>
-              <a:t>мінімалістичний</a:t>
-            </a:r>
-            <a:r>
-              <a:rPr lang="uk-UA" sz="1200" b="1" dirty="0"/>
-              <a:t> дизайн із чіткою ієрархією та зручним доступом до всіх ключових елементів</a:t>
-            </a:r>
-            <a:endParaRPr lang="uk-UA" sz="1200" b="1" dirty="0"/>
-          </a:p>
-        </p:txBody>
-      </p:sp>
-    </p:spTree>
-  </p:cSld>
-  <p:clrMapOvr>
-    <a:masterClrMapping/>
-  </p:clrMapOvr>
-</p:sld>
-</file>
-
-<file path=ppt/slides/slide9.xml><?xml version="1.0" encoding="utf-8"?>
-<p:sld xmlns:a="http://schemas.openxmlformats.org/drawingml/2006/main" xmlns:r="http://schemas.openxmlformats.org/officeDocument/2006/relationships" xmlns:p="http://schemas.openxmlformats.org/presentationml/2006/main">
-  <p:cSld>
-    <p:spTree>
-      <p:nvGrpSpPr>
-        <p:cNvPr id="1" name="Shape 119"/>
-        <p:cNvGrpSpPr/>
-        <p:nvPr/>
-      </p:nvGrpSpPr>
-      <p:grpSpPr>
-        <a:xfrm>
-          <a:off x="0" y="0"/>
-          <a:ext cx="0" cy="0"/>
-          <a:chOff x="0" y="0"/>
-          <a:chExt cx="0" cy="0"/>
-        </a:xfrm>
-      </p:grpSpPr>
-      <p:sp>
-        <p:nvSpPr>
-          <p:cNvPr id="120" name="Google Shape;120;p21"/>
-          <p:cNvSpPr txBox="1">
-            <a:spLocks noGrp="1"/>
-          </p:cNvSpPr>
-          <p:nvPr>
-            <p:ph type="title"/>
-          </p:nvPr>
-        </p:nvSpPr>
-        <p:spPr>
-          <a:xfrm>
-            <a:off x="268925" y="-152998"/>
-            <a:ext cx="8520600" cy="831300"/>
-          </a:xfrm>
-          <a:prstGeom prst="rect">
-            <a:avLst/>
-          </a:prstGeom>
-        </p:spPr>
-        <p:txBody>
-          <a:bodyPr spcFirstLastPara="1" wrap="square" lIns="91425" tIns="91425" rIns="91425" bIns="91425" anchor="b" anchorCtr="0">
-            <a:normAutofit/>
-          </a:bodyPr>
-          <a:lstStyle/>
-          <a:p>
-            <a:pPr marL="0" lvl="0" indent="0" algn="l" rtl="0">
-              <a:spcBef>
-                <a:spcPts val="0"/>
-              </a:spcBef>
-              <a:spcAft>
-                <a:spcPts val="0"/>
-              </a:spcAft>
-              <a:buNone/>
-            </a:pPr>
-            <a:r>
-              <a:rPr lang="uk" sz="3200" dirty="0" smtClean="0"/>
-              <a:t>Приклад реалізації</a:t>
-            </a:r>
-            <a:endParaRPr sz="3200" dirty="0"/>
-          </a:p>
-        </p:txBody>
-      </p:sp>
-      <p:pic>
-        <p:nvPicPr>
-          <p:cNvPr id="122" name="Google Shape;122;p21"/>
-          <p:cNvPicPr preferRelativeResize="0"/>
-          <p:nvPr/>
-        </p:nvPicPr>
-        <p:blipFill>
-          <a:blip r:embed="rId3">
-            <a:alphaModFix/>
-          </a:blip>
-          <a:stretch>
-            <a:fillRect/>
-          </a:stretch>
-        </p:blipFill>
-        <p:spPr>
-          <a:xfrm>
-            <a:off x="268925" y="4359500"/>
-            <a:ext cx="862250" cy="581750"/>
-          </a:xfrm>
-          <a:prstGeom prst="rect">
-            <a:avLst/>
-          </a:prstGeom>
-          <a:noFill/>
-          <a:ln>
-            <a:noFill/>
-          </a:ln>
-        </p:spPr>
-      </p:pic>
-      <p:sp>
-        <p:nvSpPr>
-          <p:cNvPr id="2" name="TextBox 1">
-            <a:extLst>
-              <a:ext uri="{FF2B5EF4-FFF2-40B4-BE49-F238E27FC236}">
-                <a16:creationId xmlns:a16="http://schemas.microsoft.com/office/drawing/2014/main" id="{68800C66-AABB-EFA8-12F4-0C56A1243712}"/>
-              </a:ext>
-            </a:extLst>
-          </p:cNvPr>
-          <p:cNvSpPr txBox="1"/>
-          <p:nvPr/>
-        </p:nvSpPr>
-        <p:spPr>
-          <a:xfrm>
-            <a:off x="8778240" y="4606349"/>
-            <a:ext cx="284052" cy="307777"/>
-          </a:xfrm>
-          <a:prstGeom prst="rect">
-            <a:avLst/>
-          </a:prstGeom>
-          <a:noFill/>
-        </p:spPr>
-        <p:txBody>
-          <a:bodyPr wrap="none" rtlCol="0">
-            <a:spAutoFit/>
-          </a:bodyPr>
-          <a:lstStyle/>
-          <a:p>
-            <a:fld id="{A35EEF41-5B9E-4186-8855-3C8162DCC2D6}" type="slidenum">
-              <a:rPr lang="uk-UA" smtClean="0"/>
-              <a:t>9</a:t>
-            </a:fld>
-            <a:endParaRPr lang="uk-UA" dirty="0"/>
-          </a:p>
-        </p:txBody>
-      </p:sp>
-      <p:pic>
-        <p:nvPicPr>
-          <p:cNvPr id="7" name="Рисунок 6"/>
-          <p:cNvPicPr/>
-          <p:nvPr/>
-        </p:nvPicPr>
-        <p:blipFill rotWithShape="1">
-          <a:blip r:embed="rId4"/>
-          <a:srcRect t="3986" b="4618"/>
-          <a:stretch/>
-        </p:blipFill>
-        <p:spPr>
-          <a:xfrm>
-            <a:off x="268925" y="678302"/>
-            <a:ext cx="6046356" cy="3446366"/>
-          </a:xfrm>
-          <a:prstGeom prst="rect">
-            <a:avLst/>
-          </a:prstGeom>
-          <a:ln>
-            <a:solidFill>
-              <a:schemeClr val="tx1"/>
-            </a:solidFill>
-          </a:ln>
-        </p:spPr>
-      </p:pic>
-      <p:pic>
-        <p:nvPicPr>
-          <p:cNvPr id="8" name="Рисунок 7"/>
-          <p:cNvPicPr/>
-          <p:nvPr/>
-        </p:nvPicPr>
-        <p:blipFill>
-          <a:blip r:embed="rId5"/>
-          <a:stretch>
-            <a:fillRect/>
-          </a:stretch>
-        </p:blipFill>
-        <p:spPr>
-          <a:xfrm>
-            <a:off x="6713243" y="678302"/>
-            <a:ext cx="2064997" cy="2454750"/>
-          </a:xfrm>
-          <a:prstGeom prst="rect">
-            <a:avLst/>
-          </a:prstGeom>
-          <a:ln>
-            <a:solidFill>
-              <a:schemeClr val="tx1"/>
-            </a:solidFill>
-          </a:ln>
-        </p:spPr>
-      </p:pic>
-      <p:sp>
-        <p:nvSpPr>
-          <p:cNvPr id="9" name="Прямоугольник 8"/>
-          <p:cNvSpPr/>
-          <p:nvPr/>
-        </p:nvSpPr>
-        <p:spPr>
-          <a:xfrm>
-            <a:off x="2515009" y="4124668"/>
-            <a:ext cx="3900193" cy="276999"/>
-          </a:xfrm>
-          <a:prstGeom prst="rect">
-            <a:avLst/>
-          </a:prstGeom>
-        </p:spPr>
-        <p:txBody>
-          <a:bodyPr wrap="square">
-            <a:spAutoFit/>
-          </a:bodyPr>
-          <a:lstStyle/>
-          <a:p>
-            <a:pPr marL="114300" indent="0">
-              <a:buNone/>
-            </a:pPr>
-            <a:r>
-              <a:rPr lang="ru-RU" sz="1200" b="1" dirty="0" smtClean="0"/>
-              <a:t>Головна </a:t>
-            </a:r>
-            <a:r>
-              <a:rPr lang="ru-RU" sz="1200" b="1" dirty="0" err="1" smtClean="0"/>
-              <a:t>стор</a:t>
-            </a:r>
-            <a:r>
-              <a:rPr lang="uk-UA" sz="1200" b="1" dirty="0" smtClean="0"/>
-              <a:t>інка розробленого модулю</a:t>
-            </a:r>
-            <a:endParaRPr lang="uk-UA" sz="1200" b="1" dirty="0"/>
-          </a:p>
-        </p:txBody>
-      </p:sp>
-      <p:sp>
-        <p:nvSpPr>
-          <p:cNvPr id="10" name="Прямоугольник 9"/>
-          <p:cNvSpPr/>
-          <p:nvPr/>
-        </p:nvSpPr>
-        <p:spPr>
-          <a:xfrm>
-            <a:off x="6774589" y="3133052"/>
-            <a:ext cx="2087471" cy="276999"/>
-          </a:xfrm>
-          <a:prstGeom prst="rect">
-            <a:avLst/>
-          </a:prstGeom>
-        </p:spPr>
-        <p:txBody>
-          <a:bodyPr wrap="square">
-            <a:spAutoFit/>
-          </a:bodyPr>
-          <a:lstStyle/>
-          <a:p>
-            <a:pPr marL="114300" indent="0">
-              <a:buNone/>
-            </a:pPr>
-            <a:r>
-              <a:rPr lang="uk-UA" sz="1200" b="1" dirty="0" smtClean="0"/>
-              <a:t>Елемент з оплатою</a:t>
-            </a:r>
-            <a:endParaRPr lang="uk-UA" sz="1200" b="1" dirty="0"/>
+              <a:rPr lang="uk-UA" sz="1200" dirty="0"/>
+              <a:t>для адаптивності, мінімалістичний дизайн із чіткою ієрархією та зручним доступом до всіх ключових елементів.</a:t>
+            </a:r>
           </a:p>
         </p:txBody>
       </p:sp>
